--- a/bin/V2-Slides-Introduction to Survival Analysis COSA.pptx
+++ b/bin/V2-Slides-Introduction to Survival Analysis COSA.pptx
@@ -5,10 +5,10 @@
     <p:sldMasterId id="2147483648" r:id="rId1"/>
   </p:sldMasterIdLst>
   <p:notesMasterIdLst>
-    <p:notesMasterId r:id="rId55"/>
+    <p:notesMasterId r:id="rId52"/>
   </p:notesMasterIdLst>
   <p:handoutMasterIdLst>
-    <p:handoutMasterId r:id="rId56"/>
+    <p:handoutMasterId r:id="rId53"/>
   </p:handoutMasterIdLst>
   <p:sldIdLst>
     <p:sldId id="259" r:id="rId2"/>
@@ -51,19 +51,16 @@
     <p:sldId id="295" r:id="rId39"/>
     <p:sldId id="296" r:id="rId40"/>
     <p:sldId id="297" r:id="rId41"/>
-    <p:sldId id="298" r:id="rId42"/>
-    <p:sldId id="299" r:id="rId43"/>
-    <p:sldId id="300" r:id="rId44"/>
-    <p:sldId id="301" r:id="rId45"/>
-    <p:sldId id="302" r:id="rId46"/>
-    <p:sldId id="303" r:id="rId47"/>
-    <p:sldId id="305" r:id="rId48"/>
-    <p:sldId id="304" r:id="rId49"/>
-    <p:sldId id="306" r:id="rId50"/>
-    <p:sldId id="307" r:id="rId51"/>
-    <p:sldId id="308" r:id="rId52"/>
-    <p:sldId id="309" r:id="rId53"/>
-    <p:sldId id="310" r:id="rId54"/>
+    <p:sldId id="301" r:id="rId42"/>
+    <p:sldId id="302" r:id="rId43"/>
+    <p:sldId id="303" r:id="rId44"/>
+    <p:sldId id="305" r:id="rId45"/>
+    <p:sldId id="304" r:id="rId46"/>
+    <p:sldId id="306" r:id="rId47"/>
+    <p:sldId id="307" r:id="rId48"/>
+    <p:sldId id="308" r:id="rId49"/>
+    <p:sldId id="309" r:id="rId50"/>
+    <p:sldId id="310" r:id="rId51"/>
   </p:sldIdLst>
   <p:sldSz cx="9144000" cy="5143500" type="screen16x9"/>
   <p:notesSz cx="9144000" cy="6858000"/>
@@ -247,7 +244,7 @@
             <a:fld id="{5433E47C-241B-4E11-AB19-57B40CAC15ED}" type="datetimeFigureOut">
               <a:rPr lang="en-US" smtClean="0"/>
               <a:pPr/>
-              <a:t>7/13/2018</a:t>
+              <a:t>7/23/2018</a:t>
             </a:fld>
             <a:endParaRPr lang="en-US" dirty="0"/>
           </a:p>
@@ -447,7 +444,7 @@
           <a:p>
             <a:fld id="{093418D3-0359-4F30-9163-C2194203E287}" type="datetimeFigureOut">
               <a:rPr lang="en-US" smtClean="0"/>
-              <a:t>7/13/2018</a:t>
+              <a:t>7/23/2018</a:t>
             </a:fld>
             <a:endParaRPr lang="en-US"/>
           </a:p>
@@ -788,7 +785,7 @@
           <a:p>
             <a:fld id="{B762F7B9-B3F8-4A1F-968F-81DBD98CA33F}" type="datetime1">
               <a:rPr lang="en-US" smtClean="0"/>
-              <a:t>7/13/2018</a:t>
+              <a:t>7/23/2018</a:t>
             </a:fld>
             <a:endParaRPr lang="en-US"/>
           </a:p>
@@ -1191,7 +1188,7 @@
           <a:p>
             <a:fld id="{A2A0F009-F519-4990-8BFF-BCF901B3F0FD}" type="datetime1">
               <a:rPr lang="en-US" smtClean="0"/>
-              <a:t>7/13/2018</a:t>
+              <a:t>7/23/2018</a:t>
             </a:fld>
             <a:endParaRPr lang="en-US"/>
           </a:p>
@@ -1375,7 +1372,7 @@
           <a:p>
             <a:fld id="{C390B315-01B4-42BB-B6D3-B0FEB6C07932}" type="datetime1">
               <a:rPr lang="en-US" smtClean="0"/>
-              <a:t>7/13/2018</a:t>
+              <a:t>7/23/2018</a:t>
             </a:fld>
             <a:endParaRPr lang="en-US"/>
           </a:p>
@@ -1542,7 +1539,7 @@
           <a:p>
             <a:fld id="{B14346AE-6E77-4D1E-A0BB-5A70ACF90EF4}" type="datetime1">
               <a:rPr lang="en-US" smtClean="0"/>
-              <a:t>7/13/2018</a:t>
+              <a:t>7/23/2018</a:t>
             </a:fld>
             <a:endParaRPr lang="en-US"/>
           </a:p>
@@ -1827,7 +1824,7 @@
           <a:p>
             <a:fld id="{1E8D69EF-F8AA-455B-BE9B-4685B1C7E19A}" type="datetime1">
               <a:rPr lang="en-US" smtClean="0"/>
-              <a:t>7/13/2018</a:t>
+              <a:t>7/23/2018</a:t>
             </a:fld>
             <a:endParaRPr lang="en-US"/>
           </a:p>
@@ -2119,7 +2116,7 @@
           <a:p>
             <a:fld id="{D9625B17-A321-4735-AA5C-5D34E8DA8D6E}" type="datetime1">
               <a:rPr lang="en-US" smtClean="0"/>
-              <a:t>7/13/2018</a:t>
+              <a:t>7/23/2018</a:t>
             </a:fld>
             <a:endParaRPr lang="en-US"/>
           </a:p>
@@ -2550,7 +2547,7 @@
           <a:p>
             <a:fld id="{46CEE7F6-4DAB-4F4D-BA5C-E51D4C711D84}" type="datetime1">
               <a:rPr lang="en-US" smtClean="0"/>
-              <a:t>7/13/2018</a:t>
+              <a:t>7/23/2018</a:t>
             </a:fld>
             <a:endParaRPr lang="en-US"/>
           </a:p>
@@ -2672,7 +2669,7 @@
           <a:p>
             <a:fld id="{CF1EE008-E169-4CB0-8F41-EC01980B5755}" type="datetime1">
               <a:rPr lang="en-US" smtClean="0"/>
-              <a:t>7/13/2018</a:t>
+              <a:t>7/23/2018</a:t>
             </a:fld>
             <a:endParaRPr lang="en-US"/>
           </a:p>
@@ -2771,7 +2768,7 @@
           <a:p>
             <a:fld id="{61F705C5-6066-4C05-8D74-570E73382636}" type="datetime1">
               <a:rPr lang="en-US" smtClean="0"/>
-              <a:t>7/13/2018</a:t>
+              <a:t>7/23/2018</a:t>
             </a:fld>
             <a:endParaRPr lang="en-US"/>
           </a:p>
@@ -3052,7 +3049,7 @@
           <a:p>
             <a:fld id="{2AF95738-944F-431B-82BD-A72129333E4C}" type="datetime1">
               <a:rPr lang="en-US" smtClean="0"/>
-              <a:t>7/13/2018</a:t>
+              <a:t>7/23/2018</a:t>
             </a:fld>
             <a:endParaRPr lang="en-US"/>
           </a:p>
@@ -3313,7 +3310,7 @@
           <a:p>
             <a:fld id="{C0120E85-9C6A-4107-98F2-05FA883684BB}" type="datetime1">
               <a:rPr lang="en-US" smtClean="0"/>
-              <a:t>7/13/2018</a:t>
+              <a:t>7/23/2018</a:t>
             </a:fld>
             <a:endParaRPr lang="en-US"/>
           </a:p>
@@ -3539,7 +3536,7 @@
           <a:p>
             <a:fld id="{180BC2D6-C7A4-4A07-89E0-230042606661}" type="datetime1">
               <a:rPr lang="en-US" smtClean="0"/>
-              <a:t>7/13/2018</a:t>
+              <a:t>7/23/2018</a:t>
             </a:fld>
             <a:endParaRPr lang="en-US"/>
           </a:p>
@@ -4104,6 +4101,13 @@
   <p:clrMapOvr>
     <a:masterClrMapping/>
   </p:clrMapOvr>
+  <p:timing>
+    <p:tnLst>
+      <p:par>
+        <p:cTn id="1" dur="indefinite" restart="never" nodeType="tmRoot"/>
+      </p:par>
+    </p:tnLst>
+  </p:timing>
 </p:sld>
 </file>
 
@@ -4602,6 +4606,13 @@
   <p:clrMapOvr>
     <a:masterClrMapping/>
   </p:clrMapOvr>
+  <p:timing>
+    <p:tnLst>
+      <p:par>
+        <p:cTn id="1" dur="indefinite" restart="never" nodeType="tmRoot"/>
+      </p:par>
+    </p:tnLst>
+  </p:timing>
 </p:sld>
 </file>
 
@@ -4764,6 +4775,13 @@
   <p:clrMapOvr>
     <a:masterClrMapping/>
   </p:clrMapOvr>
+  <p:timing>
+    <p:tnLst>
+      <p:par>
+        <p:cTn id="1" dur="indefinite" restart="never" nodeType="tmRoot"/>
+      </p:par>
+    </p:tnLst>
+  </p:timing>
 </p:sld>
 </file>
 
@@ -4934,6 +4952,13 @@
   <p:clrMapOvr>
     <a:masterClrMapping/>
   </p:clrMapOvr>
+  <p:timing>
+    <p:tnLst>
+      <p:par>
+        <p:cTn id="1" dur="indefinite" restart="never" nodeType="tmRoot"/>
+      </p:par>
+    </p:tnLst>
+  </p:timing>
 </p:sld>
 </file>
 
@@ -5104,6 +5129,13 @@
   <p:clrMapOvr>
     <a:masterClrMapping/>
   </p:clrMapOvr>
+  <p:timing>
+    <p:tnLst>
+      <p:par>
+        <p:cTn id="1" dur="indefinite" restart="never" nodeType="tmRoot"/>
+      </p:par>
+    </p:tnLst>
+  </p:timing>
 </p:sld>
 </file>
 
@@ -5278,6 +5310,13 @@
   <p:clrMapOvr>
     <a:masterClrMapping/>
   </p:clrMapOvr>
+  <p:timing>
+    <p:tnLst>
+      <p:par>
+        <p:cTn id="1" dur="indefinite" restart="never" nodeType="tmRoot"/>
+      </p:par>
+    </p:tnLst>
+  </p:timing>
 </p:sld>
 </file>
 
@@ -5465,6 +5504,13 @@
   <p:clrMapOvr>
     <a:masterClrMapping/>
   </p:clrMapOvr>
+  <p:timing>
+    <p:tnLst>
+      <p:par>
+        <p:cTn id="1" dur="indefinite" restart="never" nodeType="tmRoot"/>
+      </p:par>
+    </p:tnLst>
+  </p:timing>
 </p:sld>
 </file>
 
@@ -5565,6 +5611,13 @@
   <p:clrMapOvr>
     <a:masterClrMapping/>
   </p:clrMapOvr>
+  <p:timing>
+    <p:tnLst>
+      <p:par>
+        <p:cTn id="1" dur="indefinite" restart="never" nodeType="tmRoot"/>
+      </p:par>
+    </p:tnLst>
+  </p:timing>
 </p:sld>
 </file>
 
@@ -5665,6 +5718,13 @@
   <p:clrMapOvr>
     <a:masterClrMapping/>
   </p:clrMapOvr>
+  <p:timing>
+    <p:tnLst>
+      <p:par>
+        <p:cTn id="1" dur="indefinite" restart="never" nodeType="tmRoot"/>
+      </p:par>
+    </p:tnLst>
+  </p:timing>
 </p:sld>
 </file>
 
@@ -5765,6 +5825,13 @@
   <p:clrMapOvr>
     <a:masterClrMapping/>
   </p:clrMapOvr>
+  <p:timing>
+    <p:tnLst>
+      <p:par>
+        <p:cTn id="1" dur="indefinite" restart="never" nodeType="tmRoot"/>
+      </p:par>
+    </p:tnLst>
+  </p:timing>
 </p:sld>
 </file>
 
@@ -6042,6 +6109,13 @@
   <p:clrMapOvr>
     <a:masterClrMapping/>
   </p:clrMapOvr>
+  <p:timing>
+    <p:tnLst>
+      <p:par>
+        <p:cTn id="1" dur="indefinite" restart="never" nodeType="tmRoot"/>
+      </p:par>
+    </p:tnLst>
+  </p:timing>
 </p:sld>
 </file>
 
@@ -6142,6 +6216,13 @@
   <p:clrMapOvr>
     <a:masterClrMapping/>
   </p:clrMapOvr>
+  <p:timing>
+    <p:tnLst>
+      <p:par>
+        <p:cTn id="1" dur="indefinite" restart="never" nodeType="tmRoot"/>
+      </p:par>
+    </p:tnLst>
+  </p:timing>
 </p:sld>
 </file>
 
@@ -6242,6 +6323,13 @@
   <p:clrMapOvr>
     <a:masterClrMapping/>
   </p:clrMapOvr>
+  <p:timing>
+    <p:tnLst>
+      <p:par>
+        <p:cTn id="1" dur="indefinite" restart="never" nodeType="tmRoot"/>
+      </p:par>
+    </p:tnLst>
+  </p:timing>
 </p:sld>
 </file>
 
@@ -6342,6 +6430,13 @@
   <p:clrMapOvr>
     <a:masterClrMapping/>
   </p:clrMapOvr>
+  <p:timing>
+    <p:tnLst>
+      <p:par>
+        <p:cTn id="1" dur="indefinite" restart="never" nodeType="tmRoot"/>
+      </p:par>
+    </p:tnLst>
+  </p:timing>
 </p:sld>
 </file>
 
@@ -6442,6 +6537,13 @@
   <p:clrMapOvr>
     <a:masterClrMapping/>
   </p:clrMapOvr>
+  <p:timing>
+    <p:tnLst>
+      <p:par>
+        <p:cTn id="1" dur="indefinite" restart="never" nodeType="tmRoot"/>
+      </p:par>
+    </p:tnLst>
+  </p:timing>
 </p:sld>
 </file>
 
@@ -6542,6 +6644,13 @@
   <p:clrMapOvr>
     <a:masterClrMapping/>
   </p:clrMapOvr>
+  <p:timing>
+    <p:tnLst>
+      <p:par>
+        <p:cTn id="1" dur="indefinite" restart="never" nodeType="tmRoot"/>
+      </p:par>
+    </p:tnLst>
+  </p:timing>
 </p:sld>
 </file>
 
@@ -6642,6 +6751,13 @@
   <p:clrMapOvr>
     <a:masterClrMapping/>
   </p:clrMapOvr>
+  <p:timing>
+    <p:tnLst>
+      <p:par>
+        <p:cTn id="1" dur="indefinite" restart="never" nodeType="tmRoot"/>
+      </p:par>
+    </p:tnLst>
+  </p:timing>
 </p:sld>
 </file>
 
@@ -6742,6 +6858,13 @@
   <p:clrMapOvr>
     <a:masterClrMapping/>
   </p:clrMapOvr>
+  <p:timing>
+    <p:tnLst>
+      <p:par>
+        <p:cTn id="1" dur="indefinite" restart="never" nodeType="tmRoot"/>
+      </p:par>
+    </p:tnLst>
+  </p:timing>
 </p:sld>
 </file>
 
@@ -6842,6 +6965,13 @@
   <p:clrMapOvr>
     <a:masterClrMapping/>
   </p:clrMapOvr>
+  <p:timing>
+    <p:tnLst>
+      <p:par>
+        <p:cTn id="1" dur="indefinite" restart="never" nodeType="tmRoot"/>
+      </p:par>
+    </p:tnLst>
+  </p:timing>
 </p:sld>
 </file>
 
@@ -6942,6 +7072,13 @@
   <p:clrMapOvr>
     <a:masterClrMapping/>
   </p:clrMapOvr>
+  <p:timing>
+    <p:tnLst>
+      <p:par>
+        <p:cTn id="1" dur="indefinite" restart="never" nodeType="tmRoot"/>
+      </p:par>
+    </p:tnLst>
+  </p:timing>
 </p:sld>
 </file>
 
@@ -7113,6 +7250,13 @@
   <p:clrMapOvr>
     <a:masterClrMapping/>
   </p:clrMapOvr>
+  <p:timing>
+    <p:tnLst>
+      <p:par>
+        <p:cTn id="1" dur="indefinite" restart="never" nodeType="tmRoot"/>
+      </p:par>
+    </p:tnLst>
+  </p:timing>
 </p:sld>
 </file>
 
@@ -7213,6 +7357,13 @@
   <p:clrMapOvr>
     <a:masterClrMapping/>
   </p:clrMapOvr>
+  <p:timing>
+    <p:tnLst>
+      <p:par>
+        <p:cTn id="1" dur="indefinite" restart="never" nodeType="tmRoot"/>
+      </p:par>
+    </p:tnLst>
+  </p:timing>
 </p:sld>
 </file>
 
@@ -7313,6 +7464,13 @@
   <p:clrMapOvr>
     <a:masterClrMapping/>
   </p:clrMapOvr>
+  <p:timing>
+    <p:tnLst>
+      <p:par>
+        <p:cTn id="1" dur="indefinite" restart="never" nodeType="tmRoot"/>
+      </p:par>
+    </p:tnLst>
+  </p:timing>
 </p:sld>
 </file>
 
@@ -7413,6 +7571,13 @@
   <p:clrMapOvr>
     <a:masterClrMapping/>
   </p:clrMapOvr>
+  <p:timing>
+    <p:tnLst>
+      <p:par>
+        <p:cTn id="1" dur="indefinite" restart="never" nodeType="tmRoot"/>
+      </p:par>
+    </p:tnLst>
+  </p:timing>
 </p:sld>
 </file>
 
@@ -7569,6 +7734,13 @@
   <p:clrMapOvr>
     <a:masterClrMapping/>
   </p:clrMapOvr>
+  <p:timing>
+    <p:tnLst>
+      <p:par>
+        <p:cTn id="1" dur="indefinite" restart="never" nodeType="tmRoot"/>
+      </p:par>
+    </p:tnLst>
+  </p:timing>
 </p:sld>
 </file>
 
@@ -7969,6 +8141,13 @@
   <p:clrMapOvr>
     <a:masterClrMapping/>
   </p:clrMapOvr>
+  <p:timing>
+    <p:tnLst>
+      <p:par>
+        <p:cTn id="1" dur="indefinite" restart="never" nodeType="tmRoot"/>
+      </p:par>
+    </p:tnLst>
+  </p:timing>
 </p:sld>
 </file>
 
@@ -8401,6 +8580,13 @@
   <p:clrMapOvr>
     <a:masterClrMapping/>
   </p:clrMapOvr>
+  <p:timing>
+    <p:tnLst>
+      <p:par>
+        <p:cTn id="1" dur="indefinite" restart="never" nodeType="tmRoot"/>
+      </p:par>
+    </p:tnLst>
+  </p:timing>
 </p:sld>
 </file>
 
@@ -8802,6 +8988,13 @@
   <p:clrMapOvr>
     <a:masterClrMapping/>
   </p:clrMapOvr>
+  <p:timing>
+    <p:tnLst>
+      <p:par>
+        <p:cTn id="1" dur="indefinite" restart="never" nodeType="tmRoot"/>
+      </p:par>
+    </p:tnLst>
+  </p:timing>
 </p:sld>
 </file>
 
@@ -9194,6 +9387,13 @@
   <p:clrMapOvr>
     <a:masterClrMapping/>
   </p:clrMapOvr>
+  <p:timing>
+    <p:tnLst>
+      <p:par>
+        <p:cTn id="1" dur="indefinite" restart="never" nodeType="tmRoot"/>
+      </p:par>
+    </p:tnLst>
+  </p:timing>
 </p:sld>
 </file>
 
@@ -9633,6 +9833,13 @@
   <p:clrMapOvr>
     <a:masterClrMapping/>
   </p:clrMapOvr>
+  <p:timing>
+    <p:tnLst>
+      <p:par>
+        <p:cTn id="1" dur="indefinite" restart="never" nodeType="tmRoot"/>
+      </p:par>
+    </p:tnLst>
+  </p:timing>
 </p:sld>
 </file>
 
@@ -10022,6 +10229,13 @@
   <p:clrMapOvr>
     <a:masterClrMapping/>
   </p:clrMapOvr>
+  <p:timing>
+    <p:tnLst>
+      <p:par>
+        <p:cTn id="1" dur="indefinite" restart="never" nodeType="tmRoot"/>
+      </p:par>
+    </p:tnLst>
+  </p:timing>
 </p:sld>
 </file>
 
@@ -10485,6 +10699,13 @@
   <p:clrMapOvr>
     <a:masterClrMapping/>
   </p:clrMapOvr>
+  <p:timing>
+    <p:tnLst>
+      <p:par>
+        <p:cTn id="1" dur="indefinite" restart="never" nodeType="tmRoot"/>
+      </p:par>
+    </p:tnLst>
+  </p:timing>
 </p:sld>
 </file>
 
@@ -10942,6 +11163,13 @@
   <p:clrMapOvr>
     <a:masterClrMapping/>
   </p:clrMapOvr>
+  <p:timing>
+    <p:tnLst>
+      <p:par>
+        <p:cTn id="1" dur="indefinite" restart="never" nodeType="tmRoot"/>
+      </p:par>
+    </p:tnLst>
+  </p:timing>
 </p:sld>
 </file>
 
@@ -10979,6 +11207,141 @@
           <a:p>
             <a:r>
               <a:rPr lang="en-US" dirty="0"/>
+              <a:t>The leader data set, Kaplan-Meier curves</a:t>
+            </a:r>
+          </a:p>
+        </p:txBody>
+      </p:sp>
+      <p:sp>
+        <p:nvSpPr>
+          <p:cNvPr id="4" name="Footer Placeholder 3"/>
+          <p:cNvSpPr>
+            <a:spLocks noGrp="1"/>
+          </p:cNvSpPr>
+          <p:nvPr>
+            <p:ph type="ftr" sz="quarter" idx="11"/>
+          </p:nvPr>
+        </p:nvSpPr>
+        <p:spPr/>
+        <p:txBody>
+          <a:bodyPr/>
+          <a:lstStyle/>
+          <a:p>
+            <a:r>
+              <a:rPr lang="en-US" smtClean="0"/>
+              <a:t>©2018 Steve Simon | https://TheAnalysisFactor.com</a:t>
+            </a:r>
+            <a:endParaRPr lang="en-US"/>
+          </a:p>
+        </p:txBody>
+      </p:sp>
+      <p:sp>
+        <p:nvSpPr>
+          <p:cNvPr id="5" name="Slide Number Placeholder 4"/>
+          <p:cNvSpPr>
+            <a:spLocks noGrp="1"/>
+          </p:cNvSpPr>
+          <p:nvPr>
+            <p:ph type="sldNum" sz="quarter" idx="12"/>
+          </p:nvPr>
+        </p:nvSpPr>
+        <p:spPr/>
+        <p:txBody>
+          <a:bodyPr/>
+          <a:lstStyle/>
+          <a:p>
+            <a:fld id="{C2E4F4E2-DEA3-44FD-BEC9-57866B7FA44A}" type="slidenum">
+              <a:rPr lang="en-US" smtClean="0"/>
+              <a:t>41</a:t>
+            </a:fld>
+            <a:endParaRPr lang="en-US"/>
+          </a:p>
+        </p:txBody>
+      </p:sp>
+      <p:pic>
+        <p:nvPicPr>
+          <p:cNvPr id="6" name="Picture 5">
+            <a:extLst>
+              <a:ext uri="{FF2B5EF4-FFF2-40B4-BE49-F238E27FC236}">
+                <a16:creationId xmlns:a16="http://schemas.microsoft.com/office/drawing/2014/main" id="{8164A0F1-8E85-430F-869C-0DE998DDA631}"/>
+              </a:ext>
+            </a:extLst>
+          </p:cNvPr>
+          <p:cNvPicPr>
+            <a:picLocks noChangeAspect="1"/>
+          </p:cNvPicPr>
+          <p:nvPr/>
+        </p:nvPicPr>
+        <p:blipFill>
+          <a:blip r:embed="rId2"/>
+          <a:stretch>
+            <a:fillRect/>
+          </a:stretch>
+        </p:blipFill>
+        <p:spPr>
+          <a:xfrm>
+            <a:off x="1219200" y="1083496"/>
+            <a:ext cx="6552686" cy="3640382"/>
+          </a:xfrm>
+          <a:prstGeom prst="rect">
+            <a:avLst/>
+          </a:prstGeom>
+        </p:spPr>
+      </p:pic>
+    </p:spTree>
+    <p:extLst>
+      <p:ext uri="{BB962C8B-B14F-4D97-AF65-F5344CB8AC3E}">
+        <p14:creationId xmlns:p14="http://schemas.microsoft.com/office/powerpoint/2010/main" val="1849115352"/>
+      </p:ext>
+    </p:extLst>
+  </p:cSld>
+  <p:clrMapOvr>
+    <a:masterClrMapping/>
+  </p:clrMapOvr>
+  <p:timing>
+    <p:tnLst>
+      <p:par>
+        <p:cTn id="1" dur="indefinite" restart="never" nodeType="tmRoot"/>
+      </p:par>
+    </p:tnLst>
+  </p:timing>
+</p:sld>
+</file>
+
+<file path=ppt/slides/slide42.xml><?xml version="1.0" encoding="utf-8"?>
+<p:sld xmlns:a="http://schemas.openxmlformats.org/drawingml/2006/main" xmlns:r="http://schemas.openxmlformats.org/officeDocument/2006/relationships" xmlns:p="http://schemas.openxmlformats.org/presentationml/2006/main">
+  <p:cSld>
+    <p:spTree>
+      <p:nvGrpSpPr>
+        <p:cNvPr id="1" name=""/>
+        <p:cNvGrpSpPr/>
+        <p:nvPr/>
+      </p:nvGrpSpPr>
+      <p:grpSpPr>
+        <a:xfrm>
+          <a:off x="0" y="0"/>
+          <a:ext cx="0" cy="0"/>
+          <a:chOff x="0" y="0"/>
+          <a:chExt cx="0" cy="0"/>
+        </a:xfrm>
+      </p:grpSpPr>
+      <p:sp>
+        <p:nvSpPr>
+          <p:cNvPr id="2" name="Title 1"/>
+          <p:cNvSpPr>
+            <a:spLocks noGrp="1"/>
+          </p:cNvSpPr>
+          <p:nvPr>
+            <p:ph type="title"/>
+          </p:nvPr>
+        </p:nvSpPr>
+        <p:spPr/>
+        <p:txBody>
+          <a:bodyPr/>
+          <a:lstStyle/>
+          <a:p>
+            <a:r>
+              <a:rPr lang="en-US" dirty="0"/>
               <a:t>The leader data set</a:t>
             </a:r>
           </a:p>
@@ -11008,7 +11371,7 @@
                   <a:srgbClr val="2361A1"/>
                 </a:solidFill>
               </a:rPr>
-              <a:t>Create cut-points for continuous variables</a:t>
+              <a:t>Run a multivariate Cox model</a:t>
             </a:r>
           </a:p>
           <a:p>
@@ -11059,7 +11422,7 @@
           <a:p>
             <a:fld id="{C2E4F4E2-DEA3-44FD-BEC9-57866B7FA44A}" type="slidenum">
               <a:rPr lang="en-US" smtClean="0"/>
-              <a:t>41</a:t>
+              <a:t>42</a:t>
             </a:fld>
             <a:endParaRPr lang="en-US"/>
           </a:p>
@@ -11067,7 +11430,7 @@
       </p:sp>
       <p:sp>
         <p:nvSpPr>
-          <p:cNvPr id="6" name="Text Placeholder 2"/>
+          <p:cNvPr id="7" name="Text Placeholder 2"/>
           <p:cNvSpPr txBox="1">
             <a:spLocks/>
           </p:cNvSpPr>
@@ -11075,8 +11438,443 @@
         </p:nvSpPr>
         <p:spPr>
           <a:xfrm>
-            <a:off x="304800" y="1751316"/>
+            <a:off x="304800" y="1733550"/>
             <a:ext cx="8229600" cy="2362200"/>
+          </a:xfrm>
+          <a:prstGeom prst="rect">
+            <a:avLst/>
+          </a:prstGeom>
+        </p:spPr>
+        <p:txBody>
+          <a:bodyPr vert="horz" lIns="91440" tIns="45720" rIns="91440" bIns="45720" rtlCol="0">
+            <a:normAutofit/>
+          </a:bodyPr>
+          <a:lstStyle>
+            <a:lvl1pPr marL="342900" indent="-342900" algn="l" defTabSz="914400" rtl="0" eaLnBrk="1" latinLnBrk="0" hangingPunct="1">
+              <a:spcBef>
+                <a:spcPct val="20000"/>
+              </a:spcBef>
+              <a:buFont typeface="Arial" pitchFamily="34" charset="0"/>
+              <a:buChar char="•"/>
+              <a:defRPr sz="1800" kern="1200">
+                <a:solidFill>
+                  <a:schemeClr val="tx1"/>
+                </a:solidFill>
+                <a:latin typeface="+mn-lt"/>
+                <a:ea typeface="+mn-ea"/>
+                <a:cs typeface="+mn-cs"/>
+              </a:defRPr>
+            </a:lvl1pPr>
+            <a:lvl2pPr marL="742950" indent="-285750" algn="l" defTabSz="914400" rtl="0" eaLnBrk="1" latinLnBrk="0" hangingPunct="1">
+              <a:spcBef>
+                <a:spcPct val="20000"/>
+              </a:spcBef>
+              <a:buFont typeface="Arial" pitchFamily="34" charset="0"/>
+              <a:buChar char="–"/>
+              <a:defRPr sz="2800" kern="1200">
+                <a:solidFill>
+                  <a:schemeClr val="tx1"/>
+                </a:solidFill>
+                <a:latin typeface="+mn-lt"/>
+                <a:ea typeface="+mn-ea"/>
+                <a:cs typeface="+mn-cs"/>
+              </a:defRPr>
+            </a:lvl2pPr>
+            <a:lvl3pPr marL="1143000" indent="-228600" algn="l" defTabSz="914400" rtl="0" eaLnBrk="1" latinLnBrk="0" hangingPunct="1">
+              <a:spcBef>
+                <a:spcPct val="20000"/>
+              </a:spcBef>
+              <a:buFont typeface="Arial" pitchFamily="34" charset="0"/>
+              <a:buChar char="•"/>
+              <a:defRPr sz="2400" kern="1200">
+                <a:solidFill>
+                  <a:schemeClr val="tx1"/>
+                </a:solidFill>
+                <a:latin typeface="+mn-lt"/>
+                <a:ea typeface="+mn-ea"/>
+                <a:cs typeface="+mn-cs"/>
+              </a:defRPr>
+            </a:lvl3pPr>
+            <a:lvl4pPr marL="1600200" indent="-228600" algn="l" defTabSz="914400" rtl="0" eaLnBrk="1" latinLnBrk="0" hangingPunct="1">
+              <a:spcBef>
+                <a:spcPct val="20000"/>
+              </a:spcBef>
+              <a:buFont typeface="Arial" pitchFamily="34" charset="0"/>
+              <a:buChar char="–"/>
+              <a:defRPr sz="2000" kern="1200">
+                <a:solidFill>
+                  <a:schemeClr val="tx1"/>
+                </a:solidFill>
+                <a:latin typeface="+mn-lt"/>
+                <a:ea typeface="+mn-ea"/>
+                <a:cs typeface="+mn-cs"/>
+              </a:defRPr>
+            </a:lvl4pPr>
+            <a:lvl5pPr marL="2057400" indent="-228600" algn="l" defTabSz="914400" rtl="0" eaLnBrk="1" latinLnBrk="0" hangingPunct="1">
+              <a:spcBef>
+                <a:spcPct val="20000"/>
+              </a:spcBef>
+              <a:buFont typeface="Arial" pitchFamily="34" charset="0"/>
+              <a:buChar char="»"/>
+              <a:defRPr sz="2000" kern="1200">
+                <a:solidFill>
+                  <a:schemeClr val="tx1"/>
+                </a:solidFill>
+                <a:latin typeface="+mn-lt"/>
+                <a:ea typeface="+mn-ea"/>
+                <a:cs typeface="+mn-cs"/>
+              </a:defRPr>
+            </a:lvl5pPr>
+            <a:lvl6pPr marL="2514600" indent="-228600" algn="l" defTabSz="914400" rtl="0" eaLnBrk="1" latinLnBrk="0" hangingPunct="1">
+              <a:spcBef>
+                <a:spcPct val="20000"/>
+              </a:spcBef>
+              <a:buFont typeface="Arial" pitchFamily="34" charset="0"/>
+              <a:buChar char="•"/>
+              <a:defRPr sz="2000" kern="1200">
+                <a:solidFill>
+                  <a:schemeClr val="tx1"/>
+                </a:solidFill>
+                <a:latin typeface="+mn-lt"/>
+                <a:ea typeface="+mn-ea"/>
+                <a:cs typeface="+mn-cs"/>
+              </a:defRPr>
+            </a:lvl6pPr>
+            <a:lvl7pPr marL="2971800" indent="-228600" algn="l" defTabSz="914400" rtl="0" eaLnBrk="1" latinLnBrk="0" hangingPunct="1">
+              <a:spcBef>
+                <a:spcPct val="20000"/>
+              </a:spcBef>
+              <a:buFont typeface="Arial" pitchFamily="34" charset="0"/>
+              <a:buChar char="•"/>
+              <a:defRPr sz="2000" kern="1200">
+                <a:solidFill>
+                  <a:schemeClr val="tx1"/>
+                </a:solidFill>
+                <a:latin typeface="+mn-lt"/>
+                <a:ea typeface="+mn-ea"/>
+                <a:cs typeface="+mn-cs"/>
+              </a:defRPr>
+            </a:lvl7pPr>
+            <a:lvl8pPr marL="3429000" indent="-228600" algn="l" defTabSz="914400" rtl="0" eaLnBrk="1" latinLnBrk="0" hangingPunct="1">
+              <a:spcBef>
+                <a:spcPct val="20000"/>
+              </a:spcBef>
+              <a:buFont typeface="Arial" pitchFamily="34" charset="0"/>
+              <a:buChar char="•"/>
+              <a:defRPr sz="2000" kern="1200">
+                <a:solidFill>
+                  <a:schemeClr val="tx1"/>
+                </a:solidFill>
+                <a:latin typeface="+mn-lt"/>
+                <a:ea typeface="+mn-ea"/>
+                <a:cs typeface="+mn-cs"/>
+              </a:defRPr>
+            </a:lvl8pPr>
+            <a:lvl9pPr marL="3886200" indent="-228600" algn="l" defTabSz="914400" rtl="0" eaLnBrk="1" latinLnBrk="0" hangingPunct="1">
+              <a:spcBef>
+                <a:spcPct val="20000"/>
+              </a:spcBef>
+              <a:buFont typeface="Arial" pitchFamily="34" charset="0"/>
+              <a:buChar char="•"/>
+              <a:defRPr sz="2000" kern="1200">
+                <a:solidFill>
+                  <a:schemeClr val="tx1"/>
+                </a:solidFill>
+                <a:latin typeface="+mn-lt"/>
+                <a:ea typeface="+mn-ea"/>
+                <a:cs typeface="+mn-cs"/>
+              </a:defRPr>
+            </a:lvl9pPr>
+          </a:lstStyle>
+          <a:p>
+            <a:pPr marL="0" indent="0">
+              <a:buNone/>
+            </a:pPr>
+            <a:r>
+              <a:rPr lang="fr-FR" dirty="0" smtClean="0">
+                <a:latin typeface="Courier New" panose="02070309020205020404" pitchFamily="49" charset="0"/>
+                <a:cs typeface="Courier New" panose="02070309020205020404" pitchFamily="49" charset="0"/>
+              </a:rPr>
+              <a:t>              </a:t>
+            </a:r>
+            <a:r>
+              <a:rPr lang="fr-FR" dirty="0" err="1" smtClean="0">
+                <a:latin typeface="Courier New" panose="02070309020205020404" pitchFamily="49" charset="0"/>
+                <a:cs typeface="Courier New" panose="02070309020205020404" pitchFamily="49" charset="0"/>
+              </a:rPr>
+              <a:t>coef</a:t>
+            </a:r>
+            <a:r>
+              <a:rPr lang="fr-FR" dirty="0" smtClean="0">
+                <a:latin typeface="Courier New" panose="02070309020205020404" pitchFamily="49" charset="0"/>
+                <a:cs typeface="Courier New" panose="02070309020205020404" pitchFamily="49" charset="0"/>
+              </a:rPr>
+              <a:t> </a:t>
+            </a:r>
+            <a:r>
+              <a:rPr lang="fr-FR" dirty="0" err="1" smtClean="0">
+                <a:latin typeface="Courier New" panose="02070309020205020404" pitchFamily="49" charset="0"/>
+                <a:cs typeface="Courier New" panose="02070309020205020404" pitchFamily="49" charset="0"/>
+              </a:rPr>
+              <a:t>exp</a:t>
+            </a:r>
+            <a:r>
+              <a:rPr lang="fr-FR" dirty="0" smtClean="0">
+                <a:latin typeface="Courier New" panose="02070309020205020404" pitchFamily="49" charset="0"/>
+                <a:cs typeface="Courier New" panose="02070309020205020404" pitchFamily="49" charset="0"/>
+              </a:rPr>
+              <a:t>(</a:t>
+            </a:r>
+            <a:r>
+              <a:rPr lang="fr-FR" dirty="0" err="1" smtClean="0">
+                <a:latin typeface="Courier New" panose="02070309020205020404" pitchFamily="49" charset="0"/>
+                <a:cs typeface="Courier New" panose="02070309020205020404" pitchFamily="49" charset="0"/>
+              </a:rPr>
+              <a:t>coef</a:t>
+            </a:r>
+            <a:r>
+              <a:rPr lang="fr-FR" dirty="0" smtClean="0">
+                <a:latin typeface="Courier New" panose="02070309020205020404" pitchFamily="49" charset="0"/>
+                <a:cs typeface="Courier New" panose="02070309020205020404" pitchFamily="49" charset="0"/>
+              </a:rPr>
+              <a:t>)  se(</a:t>
+            </a:r>
+            <a:r>
+              <a:rPr lang="fr-FR" dirty="0" err="1" smtClean="0">
+                <a:latin typeface="Courier New" panose="02070309020205020404" pitchFamily="49" charset="0"/>
+                <a:cs typeface="Courier New" panose="02070309020205020404" pitchFamily="49" charset="0"/>
+              </a:rPr>
+              <a:t>coef</a:t>
+            </a:r>
+            <a:r>
+              <a:rPr lang="fr-FR" dirty="0" smtClean="0">
+                <a:latin typeface="Courier New" panose="02070309020205020404" pitchFamily="49" charset="0"/>
+                <a:cs typeface="Courier New" panose="02070309020205020404" pitchFamily="49" charset="0"/>
+              </a:rPr>
+              <a:t>)      z    p-v</a:t>
+            </a:r>
+            <a:endParaRPr lang="en-US" dirty="0" smtClean="0">
+              <a:latin typeface="Courier New" panose="02070309020205020404" pitchFamily="49" charset="0"/>
+              <a:cs typeface="Courier New" panose="02070309020205020404" pitchFamily="49" charset="0"/>
+            </a:endParaRPr>
+          </a:p>
+          <a:p>
+            <a:pPr marL="0" indent="0">
+              <a:buNone/>
+            </a:pPr>
+            <a:r>
+              <a:rPr lang="en-US" dirty="0" smtClean="0">
+                <a:latin typeface="Courier New" panose="02070309020205020404" pitchFamily="49" charset="0"/>
+                <a:cs typeface="Courier New" panose="02070309020205020404" pitchFamily="49" charset="0"/>
+              </a:rPr>
+              <a:t>manner    0.359963  1.433277  0.153237  2.349 0.0188</a:t>
+            </a:r>
+          </a:p>
+          <a:p>
+            <a:pPr marL="0" indent="0">
+              <a:buNone/>
+            </a:pPr>
+            <a:r>
+              <a:rPr lang="en-US" dirty="0" smtClean="0">
+                <a:latin typeface="Courier New" panose="02070309020205020404" pitchFamily="49" charset="0"/>
+                <a:cs typeface="Courier New" panose="02070309020205020404" pitchFamily="49" charset="0"/>
+              </a:rPr>
+              <a:t>military -0.128457  0.879451  0.157289 -0.817 0.4141</a:t>
+            </a:r>
+          </a:p>
+          <a:p>
+            <a:pPr marL="0" indent="0">
+              <a:buNone/>
+            </a:pPr>
+            <a:r>
+              <a:rPr lang="en-US" dirty="0" smtClean="0">
+                <a:latin typeface="Courier New" panose="02070309020205020404" pitchFamily="49" charset="0"/>
+                <a:cs typeface="Courier New" panose="02070309020205020404" pitchFamily="49" charset="0"/>
+              </a:rPr>
+              <a:t>age       0.024148  1.024442  0.004967  4.862 0.0001</a:t>
+            </a:r>
+          </a:p>
+          <a:p>
+            <a:endParaRPr lang="en-US" dirty="0">
+              <a:latin typeface="Courier New" panose="02070309020205020404" pitchFamily="49" charset="0"/>
+              <a:cs typeface="Courier New" panose="02070309020205020404" pitchFamily="49" charset="0"/>
+            </a:endParaRPr>
+          </a:p>
+        </p:txBody>
+      </p:sp>
+    </p:spTree>
+    <p:extLst>
+      <p:ext uri="{BB962C8B-B14F-4D97-AF65-F5344CB8AC3E}">
+        <p14:creationId xmlns:p14="http://schemas.microsoft.com/office/powerpoint/2010/main" val="2334221905"/>
+      </p:ext>
+    </p:extLst>
+  </p:cSld>
+  <p:clrMapOvr>
+    <a:masterClrMapping/>
+  </p:clrMapOvr>
+  <p:timing>
+    <p:tnLst>
+      <p:par>
+        <p:cTn id="1" dur="indefinite" restart="never" nodeType="tmRoot"/>
+      </p:par>
+    </p:tnLst>
+  </p:timing>
+</p:sld>
+</file>
+
+<file path=ppt/slides/slide43.xml><?xml version="1.0" encoding="utf-8"?>
+<p:sld xmlns:a="http://schemas.openxmlformats.org/drawingml/2006/main" xmlns:r="http://schemas.openxmlformats.org/officeDocument/2006/relationships" xmlns:p="http://schemas.openxmlformats.org/presentationml/2006/main">
+  <p:cSld>
+    <p:spTree>
+      <p:nvGrpSpPr>
+        <p:cNvPr id="1" name=""/>
+        <p:cNvGrpSpPr/>
+        <p:nvPr/>
+      </p:nvGrpSpPr>
+      <p:grpSpPr>
+        <a:xfrm>
+          <a:off x="0" y="0"/>
+          <a:ext cx="0" cy="0"/>
+          <a:chOff x="0" y="0"/>
+          <a:chExt cx="0" cy="0"/>
+        </a:xfrm>
+      </p:grpSpPr>
+      <p:sp>
+        <p:nvSpPr>
+          <p:cNvPr id="2" name="Title 1"/>
+          <p:cNvSpPr>
+            <a:spLocks noGrp="1"/>
+          </p:cNvSpPr>
+          <p:nvPr>
+            <p:ph type="title"/>
+          </p:nvPr>
+        </p:nvSpPr>
+        <p:spPr/>
+        <p:txBody>
+          <a:bodyPr/>
+          <a:lstStyle/>
+          <a:p>
+            <a:r>
+              <a:rPr lang="en-US" dirty="0"/>
+              <a:t>The competing risks model</a:t>
+            </a:r>
+          </a:p>
+        </p:txBody>
+      </p:sp>
+      <p:sp>
+        <p:nvSpPr>
+          <p:cNvPr id="3" name="Content Placeholder 2"/>
+          <p:cNvSpPr>
+            <a:spLocks noGrp="1"/>
+          </p:cNvSpPr>
+          <p:nvPr>
+            <p:ph idx="1"/>
+          </p:nvPr>
+        </p:nvSpPr>
+        <p:spPr>
+          <a:xfrm>
+            <a:off x="304800" y="971550"/>
+            <a:ext cx="8534400" cy="1371600"/>
+          </a:xfrm>
+        </p:spPr>
+        <p:txBody>
+          <a:bodyPr>
+            <a:normAutofit/>
+          </a:bodyPr>
+          <a:lstStyle/>
+          <a:p>
+            <a:pPr marL="0" indent="0">
+              <a:buNone/>
+            </a:pPr>
+            <a:r>
+              <a:rPr lang="en-US" dirty="0" smtClean="0"/>
+              <a:t>If there are two or more causes of death and you are interested in developing a model for the individual causes, then you need a competing risk model.</a:t>
+            </a:r>
+          </a:p>
+          <a:p>
+            <a:pPr marL="0" indent="0">
+              <a:buNone/>
+            </a:pPr>
+            <a:endParaRPr lang="en-US" sz="1400" dirty="0"/>
+          </a:p>
+          <a:p>
+            <a:pPr marL="0" indent="0">
+              <a:buNone/>
+            </a:pPr>
+            <a:r>
+              <a:rPr lang="en-US" dirty="0" smtClean="0"/>
+              <a:t>The competing risk model assumes that the </a:t>
+            </a:r>
+            <a:r>
+              <a:rPr lang="en-US" dirty="0" err="1" smtClean="0"/>
+              <a:t>overal</a:t>
+            </a:r>
+            <a:r>
+              <a:rPr lang="en-US" dirty="0" smtClean="0"/>
+              <a:t> hazard function, h(t), can be written as</a:t>
+            </a:r>
+            <a:endParaRPr lang="en-US" dirty="0"/>
+          </a:p>
+        </p:txBody>
+      </p:sp>
+      <p:sp>
+        <p:nvSpPr>
+          <p:cNvPr id="4" name="Footer Placeholder 3"/>
+          <p:cNvSpPr>
+            <a:spLocks noGrp="1"/>
+          </p:cNvSpPr>
+          <p:nvPr>
+            <p:ph type="ftr" sz="quarter" idx="11"/>
+          </p:nvPr>
+        </p:nvSpPr>
+        <p:spPr/>
+        <p:txBody>
+          <a:bodyPr/>
+          <a:lstStyle/>
+          <a:p>
+            <a:r>
+              <a:rPr lang="en-US" smtClean="0"/>
+              <a:t>©2018 Steve Simon | https://TheAnalysisFactor.com</a:t>
+            </a:r>
+            <a:endParaRPr lang="en-US"/>
+          </a:p>
+        </p:txBody>
+      </p:sp>
+      <p:sp>
+        <p:nvSpPr>
+          <p:cNvPr id="5" name="Slide Number Placeholder 4"/>
+          <p:cNvSpPr>
+            <a:spLocks noGrp="1"/>
+          </p:cNvSpPr>
+          <p:nvPr>
+            <p:ph type="sldNum" sz="quarter" idx="12"/>
+          </p:nvPr>
+        </p:nvSpPr>
+        <p:spPr/>
+        <p:txBody>
+          <a:bodyPr/>
+          <a:lstStyle/>
+          <a:p>
+            <a:fld id="{C2E4F4E2-DEA3-44FD-BEC9-57866B7FA44A}" type="slidenum">
+              <a:rPr lang="en-US" smtClean="0"/>
+              <a:t>43</a:t>
+            </a:fld>
+            <a:endParaRPr lang="en-US"/>
+          </a:p>
+        </p:txBody>
+      </p:sp>
+      <p:sp>
+        <p:nvSpPr>
+          <p:cNvPr id="6" name="Content Placeholder 2"/>
+          <p:cNvSpPr txBox="1">
+            <a:spLocks/>
+          </p:cNvSpPr>
+          <p:nvPr/>
+        </p:nvSpPr>
+        <p:spPr>
+          <a:xfrm>
+            <a:off x="304800" y="2942809"/>
+            <a:ext cx="8534400" cy="1371600"/>
           </a:xfrm>
           <a:prstGeom prst="rect">
             <a:avLst/>
@@ -11225,1768 +12023,6 @@
           </a:lstStyle>
           <a:p>
             <a:pPr marL="0" indent="0">
-              <a:buNone/>
-            </a:pPr>
-            <a:r>
-              <a:rPr lang="en-US" dirty="0" err="1" smtClean="0">
-                <a:latin typeface="Courier New" panose="02070309020205020404" pitchFamily="49" charset="0"/>
-                <a:cs typeface="Courier New" panose="02070309020205020404" pitchFamily="49" charset="0"/>
-              </a:rPr>
-              <a:t>start_c</a:t>
-            </a:r>
-            <a:r>
-              <a:rPr lang="en-US" dirty="0" smtClean="0">
-                <a:latin typeface="Courier New" panose="02070309020205020404" pitchFamily="49" charset="0"/>
-                <a:cs typeface="Courier New" panose="02070309020205020404" pitchFamily="49" charset="0"/>
-              </a:rPr>
-              <a:t>  60s 70s 80s </a:t>
-            </a:r>
-          </a:p>
-          <a:p>
-            <a:pPr marL="0" indent="0">
-              <a:buNone/>
-            </a:pPr>
-            <a:r>
-              <a:rPr lang="en-US" dirty="0" smtClean="0">
-                <a:latin typeface="Courier New" panose="02070309020205020404" pitchFamily="49" charset="0"/>
-                <a:cs typeface="Courier New" panose="02070309020205020404" pitchFamily="49" charset="0"/>
-              </a:rPr>
-              <a:t>         176 159 103</a:t>
-            </a:r>
-          </a:p>
-          <a:p>
-            <a:endParaRPr lang="en-US" dirty="0" smtClean="0">
-              <a:latin typeface="Courier New" panose="02070309020205020404" pitchFamily="49" charset="0"/>
-              <a:cs typeface="Courier New" panose="02070309020205020404" pitchFamily="49" charset="0"/>
-            </a:endParaRPr>
-          </a:p>
-          <a:p>
-            <a:pPr marL="0" indent="0">
-              <a:buNone/>
-            </a:pPr>
-            <a:r>
-              <a:rPr lang="en-US" dirty="0" err="1" smtClean="0">
-                <a:latin typeface="Courier New" panose="02070309020205020404" pitchFamily="49" charset="0"/>
-                <a:cs typeface="Courier New" panose="02070309020205020404" pitchFamily="49" charset="0"/>
-              </a:rPr>
-              <a:t>age_c</a:t>
-            </a:r>
-            <a:r>
-              <a:rPr lang="en-US" dirty="0" smtClean="0">
-                <a:latin typeface="Courier New" panose="02070309020205020404" pitchFamily="49" charset="0"/>
-                <a:cs typeface="Courier New" panose="02070309020205020404" pitchFamily="49" charset="0"/>
-              </a:rPr>
-              <a:t>  0-39 40-59   60+ </a:t>
-            </a:r>
-          </a:p>
-          <a:p>
-            <a:pPr marL="0" indent="0">
-              <a:buNone/>
-            </a:pPr>
-            <a:r>
-              <a:rPr lang="en-US" dirty="0" smtClean="0">
-                <a:latin typeface="Courier New" panose="02070309020205020404" pitchFamily="49" charset="0"/>
-                <a:cs typeface="Courier New" panose="02070309020205020404" pitchFamily="49" charset="0"/>
-              </a:rPr>
-              <a:t>         89   265    84</a:t>
-            </a:r>
-          </a:p>
-          <a:p>
-            <a:endParaRPr lang="en-US" dirty="0" smtClean="0">
-              <a:latin typeface="Courier New" panose="02070309020205020404" pitchFamily="49" charset="0"/>
-              <a:cs typeface="Courier New" panose="02070309020205020404" pitchFamily="49" charset="0"/>
-            </a:endParaRPr>
-          </a:p>
-          <a:p>
-            <a:pPr marL="0" indent="0">
-              <a:buNone/>
-            </a:pPr>
-            <a:r>
-              <a:rPr lang="en-US" dirty="0" err="1" smtClean="0">
-                <a:latin typeface="Courier New" panose="02070309020205020404" pitchFamily="49" charset="0"/>
-                <a:cs typeface="Courier New" panose="02070309020205020404" pitchFamily="49" charset="0"/>
-              </a:rPr>
-              <a:t>loginc_c</a:t>
-            </a:r>
-            <a:r>
-              <a:rPr lang="en-US" dirty="0" smtClean="0">
-                <a:latin typeface="Courier New" panose="02070309020205020404" pitchFamily="49" charset="0"/>
-                <a:cs typeface="Courier New" panose="02070309020205020404" pitchFamily="49" charset="0"/>
-              </a:rPr>
-              <a:t>  $0-200 $200-500    $500+ </a:t>
-            </a:r>
-          </a:p>
-          <a:p>
-            <a:pPr marL="0" indent="0">
-              <a:buNone/>
-            </a:pPr>
-            <a:r>
-              <a:rPr lang="en-US" dirty="0" smtClean="0">
-                <a:latin typeface="Courier New" panose="02070309020205020404" pitchFamily="49" charset="0"/>
-                <a:cs typeface="Courier New" panose="02070309020205020404" pitchFamily="49" charset="0"/>
-              </a:rPr>
-              <a:t>             130      149      159</a:t>
-            </a:r>
-          </a:p>
-          <a:p>
-            <a:endParaRPr lang="en-US" dirty="0">
-              <a:latin typeface="Courier New" panose="02070309020205020404" pitchFamily="49" charset="0"/>
-              <a:cs typeface="Courier New" panose="02070309020205020404" pitchFamily="49" charset="0"/>
-            </a:endParaRPr>
-          </a:p>
-        </p:txBody>
-      </p:sp>
-    </p:spTree>
-    <p:extLst>
-      <p:ext uri="{BB962C8B-B14F-4D97-AF65-F5344CB8AC3E}">
-        <p14:creationId xmlns:p14="http://schemas.microsoft.com/office/powerpoint/2010/main" val="4101678485"/>
-      </p:ext>
-    </p:extLst>
-  </p:cSld>
-  <p:clrMapOvr>
-    <a:masterClrMapping/>
-  </p:clrMapOvr>
-</p:sld>
-</file>
-
-<file path=ppt/slides/slide42.xml><?xml version="1.0" encoding="utf-8"?>
-<p:sld xmlns:a="http://schemas.openxmlformats.org/drawingml/2006/main" xmlns:r="http://schemas.openxmlformats.org/officeDocument/2006/relationships" xmlns:p="http://schemas.openxmlformats.org/presentationml/2006/main">
-  <p:cSld>
-    <p:spTree>
-      <p:nvGrpSpPr>
-        <p:cNvPr id="1" name=""/>
-        <p:cNvGrpSpPr/>
-        <p:nvPr/>
-      </p:nvGrpSpPr>
-      <p:grpSpPr>
-        <a:xfrm>
-          <a:off x="0" y="0"/>
-          <a:ext cx="0" cy="0"/>
-          <a:chOff x="0" y="0"/>
-          <a:chExt cx="0" cy="0"/>
-        </a:xfrm>
-      </p:grpSpPr>
-      <p:sp>
-        <p:nvSpPr>
-          <p:cNvPr id="2" name="Title 1"/>
-          <p:cNvSpPr>
-            <a:spLocks noGrp="1"/>
-          </p:cNvSpPr>
-          <p:nvPr>
-            <p:ph type="title"/>
-          </p:nvPr>
-        </p:nvSpPr>
-        <p:spPr/>
-        <p:txBody>
-          <a:bodyPr/>
-          <a:lstStyle/>
-          <a:p>
-            <a:r>
-              <a:rPr lang="en-US" dirty="0"/>
-              <a:t>The leader data set</a:t>
-            </a:r>
-          </a:p>
-        </p:txBody>
-      </p:sp>
-      <p:sp>
-        <p:nvSpPr>
-          <p:cNvPr id="3" name="Content Placeholder 2"/>
-          <p:cNvSpPr>
-            <a:spLocks noGrp="1"/>
-          </p:cNvSpPr>
-          <p:nvPr>
-            <p:ph idx="1"/>
-          </p:nvPr>
-        </p:nvSpPr>
-        <p:spPr/>
-        <p:txBody>
-          <a:bodyPr/>
-          <a:lstStyle/>
-          <a:p>
-            <a:pPr marL="0" indent="0">
-              <a:buNone/>
-            </a:pPr>
-            <a:r>
-              <a:rPr lang="en-US" b="1" dirty="0">
-                <a:solidFill>
-                  <a:srgbClr val="2361A1"/>
-                </a:solidFill>
-              </a:rPr>
-              <a:t>Create cut-points for continuous variables</a:t>
-            </a:r>
-          </a:p>
-          <a:p>
-            <a:pPr marL="0" indent="0">
-              <a:buNone/>
-            </a:pPr>
-            <a:endParaRPr lang="en-US" dirty="0"/>
-          </a:p>
-        </p:txBody>
-      </p:sp>
-      <p:sp>
-        <p:nvSpPr>
-          <p:cNvPr id="4" name="Footer Placeholder 3"/>
-          <p:cNvSpPr>
-            <a:spLocks noGrp="1"/>
-          </p:cNvSpPr>
-          <p:nvPr>
-            <p:ph type="ftr" sz="quarter" idx="11"/>
-          </p:nvPr>
-        </p:nvSpPr>
-        <p:spPr/>
-        <p:txBody>
-          <a:bodyPr/>
-          <a:lstStyle/>
-          <a:p>
-            <a:r>
-              <a:rPr lang="en-US" smtClean="0"/>
-              <a:t>©2018 Steve Simon | https://TheAnalysisFactor.com</a:t>
-            </a:r>
-            <a:endParaRPr lang="en-US"/>
-          </a:p>
-        </p:txBody>
-      </p:sp>
-      <p:sp>
-        <p:nvSpPr>
-          <p:cNvPr id="5" name="Slide Number Placeholder 4"/>
-          <p:cNvSpPr>
-            <a:spLocks noGrp="1"/>
-          </p:cNvSpPr>
-          <p:nvPr>
-            <p:ph type="sldNum" sz="quarter" idx="12"/>
-          </p:nvPr>
-        </p:nvSpPr>
-        <p:spPr/>
-        <p:txBody>
-          <a:bodyPr/>
-          <a:lstStyle/>
-          <a:p>
-            <a:fld id="{C2E4F4E2-DEA3-44FD-BEC9-57866B7FA44A}" type="slidenum">
-              <a:rPr lang="en-US" smtClean="0"/>
-              <a:t>42</a:t>
-            </a:fld>
-            <a:endParaRPr lang="en-US"/>
-          </a:p>
-        </p:txBody>
-      </p:sp>
-      <p:sp>
-        <p:nvSpPr>
-          <p:cNvPr id="7" name="Text Placeholder 2"/>
-          <p:cNvSpPr txBox="1">
-            <a:spLocks/>
-          </p:cNvSpPr>
-          <p:nvPr/>
-        </p:nvSpPr>
-        <p:spPr>
-          <a:xfrm>
-            <a:off x="304800" y="1871181"/>
-            <a:ext cx="8229600" cy="2362200"/>
-          </a:xfrm>
-          <a:prstGeom prst="rect">
-            <a:avLst/>
-          </a:prstGeom>
-        </p:spPr>
-        <p:txBody>
-          <a:bodyPr vert="horz" lIns="91440" tIns="45720" rIns="91440" bIns="45720" rtlCol="0">
-            <a:normAutofit/>
-          </a:bodyPr>
-          <a:lstStyle>
-            <a:lvl1pPr marL="342900" indent="-342900" algn="l" defTabSz="914400" rtl="0" eaLnBrk="1" latinLnBrk="0" hangingPunct="1">
-              <a:spcBef>
-                <a:spcPct val="20000"/>
-              </a:spcBef>
-              <a:buFont typeface="Arial" pitchFamily="34" charset="0"/>
-              <a:buChar char="•"/>
-              <a:defRPr sz="1800" kern="1200">
-                <a:solidFill>
-                  <a:schemeClr val="tx1"/>
-                </a:solidFill>
-                <a:latin typeface="+mn-lt"/>
-                <a:ea typeface="+mn-ea"/>
-                <a:cs typeface="+mn-cs"/>
-              </a:defRPr>
-            </a:lvl1pPr>
-            <a:lvl2pPr marL="742950" indent="-285750" algn="l" defTabSz="914400" rtl="0" eaLnBrk="1" latinLnBrk="0" hangingPunct="1">
-              <a:spcBef>
-                <a:spcPct val="20000"/>
-              </a:spcBef>
-              <a:buFont typeface="Arial" pitchFamily="34" charset="0"/>
-              <a:buChar char="–"/>
-              <a:defRPr sz="2800" kern="1200">
-                <a:solidFill>
-                  <a:schemeClr val="tx1"/>
-                </a:solidFill>
-                <a:latin typeface="+mn-lt"/>
-                <a:ea typeface="+mn-ea"/>
-                <a:cs typeface="+mn-cs"/>
-              </a:defRPr>
-            </a:lvl2pPr>
-            <a:lvl3pPr marL="1143000" indent="-228600" algn="l" defTabSz="914400" rtl="0" eaLnBrk="1" latinLnBrk="0" hangingPunct="1">
-              <a:spcBef>
-                <a:spcPct val="20000"/>
-              </a:spcBef>
-              <a:buFont typeface="Arial" pitchFamily="34" charset="0"/>
-              <a:buChar char="•"/>
-              <a:defRPr sz="2400" kern="1200">
-                <a:solidFill>
-                  <a:schemeClr val="tx1"/>
-                </a:solidFill>
-                <a:latin typeface="+mn-lt"/>
-                <a:ea typeface="+mn-ea"/>
-                <a:cs typeface="+mn-cs"/>
-              </a:defRPr>
-            </a:lvl3pPr>
-            <a:lvl4pPr marL="1600200" indent="-228600" algn="l" defTabSz="914400" rtl="0" eaLnBrk="1" latinLnBrk="0" hangingPunct="1">
-              <a:spcBef>
-                <a:spcPct val="20000"/>
-              </a:spcBef>
-              <a:buFont typeface="Arial" pitchFamily="34" charset="0"/>
-              <a:buChar char="–"/>
-              <a:defRPr sz="2000" kern="1200">
-                <a:solidFill>
-                  <a:schemeClr val="tx1"/>
-                </a:solidFill>
-                <a:latin typeface="+mn-lt"/>
-                <a:ea typeface="+mn-ea"/>
-                <a:cs typeface="+mn-cs"/>
-              </a:defRPr>
-            </a:lvl4pPr>
-            <a:lvl5pPr marL="2057400" indent="-228600" algn="l" defTabSz="914400" rtl="0" eaLnBrk="1" latinLnBrk="0" hangingPunct="1">
-              <a:spcBef>
-                <a:spcPct val="20000"/>
-              </a:spcBef>
-              <a:buFont typeface="Arial" pitchFamily="34" charset="0"/>
-              <a:buChar char="»"/>
-              <a:defRPr sz="2000" kern="1200">
-                <a:solidFill>
-                  <a:schemeClr val="tx1"/>
-                </a:solidFill>
-                <a:latin typeface="+mn-lt"/>
-                <a:ea typeface="+mn-ea"/>
-                <a:cs typeface="+mn-cs"/>
-              </a:defRPr>
-            </a:lvl5pPr>
-            <a:lvl6pPr marL="2514600" indent="-228600" algn="l" defTabSz="914400" rtl="0" eaLnBrk="1" latinLnBrk="0" hangingPunct="1">
-              <a:spcBef>
-                <a:spcPct val="20000"/>
-              </a:spcBef>
-              <a:buFont typeface="Arial" pitchFamily="34" charset="0"/>
-              <a:buChar char="•"/>
-              <a:defRPr sz="2000" kern="1200">
-                <a:solidFill>
-                  <a:schemeClr val="tx1"/>
-                </a:solidFill>
-                <a:latin typeface="+mn-lt"/>
-                <a:ea typeface="+mn-ea"/>
-                <a:cs typeface="+mn-cs"/>
-              </a:defRPr>
-            </a:lvl6pPr>
-            <a:lvl7pPr marL="2971800" indent="-228600" algn="l" defTabSz="914400" rtl="0" eaLnBrk="1" latinLnBrk="0" hangingPunct="1">
-              <a:spcBef>
-                <a:spcPct val="20000"/>
-              </a:spcBef>
-              <a:buFont typeface="Arial" pitchFamily="34" charset="0"/>
-              <a:buChar char="•"/>
-              <a:defRPr sz="2000" kern="1200">
-                <a:solidFill>
-                  <a:schemeClr val="tx1"/>
-                </a:solidFill>
-                <a:latin typeface="+mn-lt"/>
-                <a:ea typeface="+mn-ea"/>
-                <a:cs typeface="+mn-cs"/>
-              </a:defRPr>
-            </a:lvl7pPr>
-            <a:lvl8pPr marL="3429000" indent="-228600" algn="l" defTabSz="914400" rtl="0" eaLnBrk="1" latinLnBrk="0" hangingPunct="1">
-              <a:spcBef>
-                <a:spcPct val="20000"/>
-              </a:spcBef>
-              <a:buFont typeface="Arial" pitchFamily="34" charset="0"/>
-              <a:buChar char="•"/>
-              <a:defRPr sz="2000" kern="1200">
-                <a:solidFill>
-                  <a:schemeClr val="tx1"/>
-                </a:solidFill>
-                <a:latin typeface="+mn-lt"/>
-                <a:ea typeface="+mn-ea"/>
-                <a:cs typeface="+mn-cs"/>
-              </a:defRPr>
-            </a:lvl8pPr>
-            <a:lvl9pPr marL="3886200" indent="-228600" algn="l" defTabSz="914400" rtl="0" eaLnBrk="1" latinLnBrk="0" hangingPunct="1">
-              <a:spcBef>
-                <a:spcPct val="20000"/>
-              </a:spcBef>
-              <a:buFont typeface="Arial" pitchFamily="34" charset="0"/>
-              <a:buChar char="•"/>
-              <a:defRPr sz="2000" kern="1200">
-                <a:solidFill>
-                  <a:schemeClr val="tx1"/>
-                </a:solidFill>
-                <a:latin typeface="+mn-lt"/>
-                <a:ea typeface="+mn-ea"/>
-                <a:cs typeface="+mn-cs"/>
-              </a:defRPr>
-            </a:lvl9pPr>
-          </a:lstStyle>
-          <a:p>
-            <a:pPr marL="0" indent="0">
-              <a:buNone/>
-            </a:pPr>
-            <a:r>
-              <a:rPr lang="en-US" dirty="0" err="1" smtClean="0">
-                <a:latin typeface="Courier New" panose="02070309020205020404" pitchFamily="49" charset="0"/>
-                <a:cs typeface="Courier New" panose="02070309020205020404" pitchFamily="49" charset="0"/>
-              </a:rPr>
-              <a:t>growth_c</a:t>
-            </a:r>
-            <a:r>
-              <a:rPr lang="en-US" dirty="0" smtClean="0">
-                <a:latin typeface="Courier New" panose="02070309020205020404" pitchFamily="49" charset="0"/>
-                <a:cs typeface="Courier New" panose="02070309020205020404" pitchFamily="49" charset="0"/>
-              </a:rPr>
-              <a:t>   </a:t>
-            </a:r>
-            <a:r>
-              <a:rPr lang="en-US" dirty="0" err="1" smtClean="0">
-                <a:latin typeface="Courier New" panose="02070309020205020404" pitchFamily="49" charset="0"/>
-                <a:cs typeface="Courier New" panose="02070309020205020404" pitchFamily="49" charset="0"/>
-              </a:rPr>
-              <a:t>neg</a:t>
-            </a:r>
-            <a:r>
-              <a:rPr lang="en-US" dirty="0" smtClean="0">
-                <a:latin typeface="Courier New" panose="02070309020205020404" pitchFamily="49" charset="0"/>
-                <a:cs typeface="Courier New" panose="02070309020205020404" pitchFamily="49" charset="0"/>
-              </a:rPr>
-              <a:t> 0-3.9%    4%+ </a:t>
-            </a:r>
-          </a:p>
-          <a:p>
-            <a:pPr marL="0" indent="0">
-              <a:buNone/>
-            </a:pPr>
-            <a:r>
-              <a:rPr lang="en-US" dirty="0" smtClean="0">
-                <a:latin typeface="Courier New" panose="02070309020205020404" pitchFamily="49" charset="0"/>
-                <a:cs typeface="Courier New" panose="02070309020205020404" pitchFamily="49" charset="0"/>
-              </a:rPr>
-              <a:t>            85    275     78</a:t>
-            </a:r>
-          </a:p>
-          <a:p>
-            <a:endParaRPr lang="en-US" dirty="0" smtClean="0">
-              <a:latin typeface="Courier New" panose="02070309020205020404" pitchFamily="49" charset="0"/>
-              <a:cs typeface="Courier New" panose="02070309020205020404" pitchFamily="49" charset="0"/>
-            </a:endParaRPr>
-          </a:p>
-          <a:p>
-            <a:pPr marL="0" indent="0">
-              <a:buNone/>
-            </a:pPr>
-            <a:r>
-              <a:rPr lang="en-US" dirty="0" err="1" smtClean="0">
-                <a:latin typeface="Courier New" panose="02070309020205020404" pitchFamily="49" charset="0"/>
-                <a:cs typeface="Courier New" panose="02070309020205020404" pitchFamily="49" charset="0"/>
-              </a:rPr>
-              <a:t>pop_c</a:t>
-            </a:r>
-            <a:r>
-              <a:rPr lang="en-US" dirty="0" smtClean="0">
-                <a:latin typeface="Courier New" panose="02070309020205020404" pitchFamily="49" charset="0"/>
-                <a:cs typeface="Courier New" panose="02070309020205020404" pitchFamily="49" charset="0"/>
-              </a:rPr>
-              <a:t>  under 1m    1-10m     10m+ </a:t>
-            </a:r>
-          </a:p>
-          <a:p>
-            <a:pPr marL="0" indent="0">
-              <a:buNone/>
-            </a:pPr>
-            <a:r>
-              <a:rPr lang="en-US" dirty="0" smtClean="0">
-                <a:latin typeface="Courier New" panose="02070309020205020404" pitchFamily="49" charset="0"/>
-                <a:cs typeface="Courier New" panose="02070309020205020404" pitchFamily="49" charset="0"/>
-              </a:rPr>
-              <a:t>             70      189      179</a:t>
-            </a:r>
-          </a:p>
-          <a:p>
-            <a:endParaRPr lang="en-US" dirty="0">
-              <a:latin typeface="Courier New" panose="02070309020205020404" pitchFamily="49" charset="0"/>
-              <a:cs typeface="Courier New" panose="02070309020205020404" pitchFamily="49" charset="0"/>
-            </a:endParaRPr>
-          </a:p>
-        </p:txBody>
-      </p:sp>
-    </p:spTree>
-    <p:extLst>
-      <p:ext uri="{BB962C8B-B14F-4D97-AF65-F5344CB8AC3E}">
-        <p14:creationId xmlns:p14="http://schemas.microsoft.com/office/powerpoint/2010/main" val="3039726104"/>
-      </p:ext>
-    </p:extLst>
-  </p:cSld>
-  <p:clrMapOvr>
-    <a:masterClrMapping/>
-  </p:clrMapOvr>
-</p:sld>
-</file>
-
-<file path=ppt/slides/slide43.xml><?xml version="1.0" encoding="utf-8"?>
-<p:sld xmlns:a="http://schemas.openxmlformats.org/drawingml/2006/main" xmlns:r="http://schemas.openxmlformats.org/officeDocument/2006/relationships" xmlns:p="http://schemas.openxmlformats.org/presentationml/2006/main">
-  <p:cSld>
-    <p:spTree>
-      <p:nvGrpSpPr>
-        <p:cNvPr id="1" name=""/>
-        <p:cNvGrpSpPr/>
-        <p:nvPr/>
-      </p:nvGrpSpPr>
-      <p:grpSpPr>
-        <a:xfrm>
-          <a:off x="0" y="0"/>
-          <a:ext cx="0" cy="0"/>
-          <a:chOff x="0" y="0"/>
-          <a:chExt cx="0" cy="0"/>
-        </a:xfrm>
-      </p:grpSpPr>
-      <p:sp>
-        <p:nvSpPr>
-          <p:cNvPr id="2" name="Title 1"/>
-          <p:cNvSpPr>
-            <a:spLocks noGrp="1"/>
-          </p:cNvSpPr>
-          <p:nvPr>
-            <p:ph type="title"/>
-          </p:nvPr>
-        </p:nvSpPr>
-        <p:spPr/>
-        <p:txBody>
-          <a:bodyPr/>
-          <a:lstStyle/>
-          <a:p>
-            <a:r>
-              <a:rPr lang="en-US" dirty="0"/>
-              <a:t>The leader data set</a:t>
-            </a:r>
-          </a:p>
-        </p:txBody>
-      </p:sp>
-      <p:sp>
-        <p:nvSpPr>
-          <p:cNvPr id="3" name="Content Placeholder 2"/>
-          <p:cNvSpPr>
-            <a:spLocks noGrp="1"/>
-          </p:cNvSpPr>
-          <p:nvPr>
-            <p:ph idx="1"/>
-          </p:nvPr>
-        </p:nvSpPr>
-        <p:spPr/>
-        <p:txBody>
-          <a:bodyPr/>
-          <a:lstStyle/>
-          <a:p>
-            <a:pPr marL="0" indent="0">
-              <a:buNone/>
-            </a:pPr>
-            <a:r>
-              <a:rPr lang="en-US" b="1" dirty="0">
-                <a:solidFill>
-                  <a:srgbClr val="2361A1"/>
-                </a:solidFill>
-              </a:rPr>
-              <a:t>Create cut-points for continuous variables</a:t>
-            </a:r>
-          </a:p>
-          <a:p>
-            <a:pPr marL="0" indent="0">
-              <a:buNone/>
-            </a:pPr>
-            <a:endParaRPr lang="en-US" dirty="0"/>
-          </a:p>
-        </p:txBody>
-      </p:sp>
-      <p:sp>
-        <p:nvSpPr>
-          <p:cNvPr id="4" name="Footer Placeholder 3"/>
-          <p:cNvSpPr>
-            <a:spLocks noGrp="1"/>
-          </p:cNvSpPr>
-          <p:nvPr>
-            <p:ph type="ftr" sz="quarter" idx="11"/>
-          </p:nvPr>
-        </p:nvSpPr>
-        <p:spPr/>
-        <p:txBody>
-          <a:bodyPr/>
-          <a:lstStyle/>
-          <a:p>
-            <a:r>
-              <a:rPr lang="en-US" smtClean="0"/>
-              <a:t>©2018 Steve Simon | https://TheAnalysisFactor.com</a:t>
-            </a:r>
-            <a:endParaRPr lang="en-US"/>
-          </a:p>
-        </p:txBody>
-      </p:sp>
-      <p:sp>
-        <p:nvSpPr>
-          <p:cNvPr id="5" name="Slide Number Placeholder 4"/>
-          <p:cNvSpPr>
-            <a:spLocks noGrp="1"/>
-          </p:cNvSpPr>
-          <p:nvPr>
-            <p:ph type="sldNum" sz="quarter" idx="12"/>
-          </p:nvPr>
-        </p:nvSpPr>
-        <p:spPr/>
-        <p:txBody>
-          <a:bodyPr/>
-          <a:lstStyle/>
-          <a:p>
-            <a:fld id="{C2E4F4E2-DEA3-44FD-BEC9-57866B7FA44A}" type="slidenum">
-              <a:rPr lang="en-US" smtClean="0"/>
-              <a:t>43</a:t>
-            </a:fld>
-            <a:endParaRPr lang="en-US"/>
-          </a:p>
-        </p:txBody>
-      </p:sp>
-      <p:sp>
-        <p:nvSpPr>
-          <p:cNvPr id="8" name="Text Placeholder 2"/>
-          <p:cNvSpPr txBox="1">
-            <a:spLocks/>
-          </p:cNvSpPr>
-          <p:nvPr/>
-        </p:nvSpPr>
-        <p:spPr>
-          <a:xfrm>
-            <a:off x="381000" y="1824519"/>
-            <a:ext cx="8229600" cy="2362200"/>
-          </a:xfrm>
-          <a:prstGeom prst="rect">
-            <a:avLst/>
-          </a:prstGeom>
-        </p:spPr>
-        <p:txBody>
-          <a:bodyPr vert="horz" lIns="91440" tIns="45720" rIns="91440" bIns="45720" rtlCol="0">
-            <a:normAutofit/>
-          </a:bodyPr>
-          <a:lstStyle>
-            <a:lvl1pPr marL="342900" indent="-342900" algn="l" defTabSz="914400" rtl="0" eaLnBrk="1" latinLnBrk="0" hangingPunct="1">
-              <a:spcBef>
-                <a:spcPct val="20000"/>
-              </a:spcBef>
-              <a:buFont typeface="Arial" pitchFamily="34" charset="0"/>
-              <a:buChar char="•"/>
-              <a:defRPr sz="1800" kern="1200">
-                <a:solidFill>
-                  <a:schemeClr val="tx1"/>
-                </a:solidFill>
-                <a:latin typeface="+mn-lt"/>
-                <a:ea typeface="+mn-ea"/>
-                <a:cs typeface="+mn-cs"/>
-              </a:defRPr>
-            </a:lvl1pPr>
-            <a:lvl2pPr marL="742950" indent="-285750" algn="l" defTabSz="914400" rtl="0" eaLnBrk="1" latinLnBrk="0" hangingPunct="1">
-              <a:spcBef>
-                <a:spcPct val="20000"/>
-              </a:spcBef>
-              <a:buFont typeface="Arial" pitchFamily="34" charset="0"/>
-              <a:buChar char="–"/>
-              <a:defRPr sz="2800" kern="1200">
-                <a:solidFill>
-                  <a:schemeClr val="tx1"/>
-                </a:solidFill>
-                <a:latin typeface="+mn-lt"/>
-                <a:ea typeface="+mn-ea"/>
-                <a:cs typeface="+mn-cs"/>
-              </a:defRPr>
-            </a:lvl2pPr>
-            <a:lvl3pPr marL="1143000" indent="-228600" algn="l" defTabSz="914400" rtl="0" eaLnBrk="1" latinLnBrk="0" hangingPunct="1">
-              <a:spcBef>
-                <a:spcPct val="20000"/>
-              </a:spcBef>
-              <a:buFont typeface="Arial" pitchFamily="34" charset="0"/>
-              <a:buChar char="•"/>
-              <a:defRPr sz="2400" kern="1200">
-                <a:solidFill>
-                  <a:schemeClr val="tx1"/>
-                </a:solidFill>
-                <a:latin typeface="+mn-lt"/>
-                <a:ea typeface="+mn-ea"/>
-                <a:cs typeface="+mn-cs"/>
-              </a:defRPr>
-            </a:lvl3pPr>
-            <a:lvl4pPr marL="1600200" indent="-228600" algn="l" defTabSz="914400" rtl="0" eaLnBrk="1" latinLnBrk="0" hangingPunct="1">
-              <a:spcBef>
-                <a:spcPct val="20000"/>
-              </a:spcBef>
-              <a:buFont typeface="Arial" pitchFamily="34" charset="0"/>
-              <a:buChar char="–"/>
-              <a:defRPr sz="2000" kern="1200">
-                <a:solidFill>
-                  <a:schemeClr val="tx1"/>
-                </a:solidFill>
-                <a:latin typeface="+mn-lt"/>
-                <a:ea typeface="+mn-ea"/>
-                <a:cs typeface="+mn-cs"/>
-              </a:defRPr>
-            </a:lvl4pPr>
-            <a:lvl5pPr marL="2057400" indent="-228600" algn="l" defTabSz="914400" rtl="0" eaLnBrk="1" latinLnBrk="0" hangingPunct="1">
-              <a:spcBef>
-                <a:spcPct val="20000"/>
-              </a:spcBef>
-              <a:buFont typeface="Arial" pitchFamily="34" charset="0"/>
-              <a:buChar char="»"/>
-              <a:defRPr sz="2000" kern="1200">
-                <a:solidFill>
-                  <a:schemeClr val="tx1"/>
-                </a:solidFill>
-                <a:latin typeface="+mn-lt"/>
-                <a:ea typeface="+mn-ea"/>
-                <a:cs typeface="+mn-cs"/>
-              </a:defRPr>
-            </a:lvl5pPr>
-            <a:lvl6pPr marL="2514600" indent="-228600" algn="l" defTabSz="914400" rtl="0" eaLnBrk="1" latinLnBrk="0" hangingPunct="1">
-              <a:spcBef>
-                <a:spcPct val="20000"/>
-              </a:spcBef>
-              <a:buFont typeface="Arial" pitchFamily="34" charset="0"/>
-              <a:buChar char="•"/>
-              <a:defRPr sz="2000" kern="1200">
-                <a:solidFill>
-                  <a:schemeClr val="tx1"/>
-                </a:solidFill>
-                <a:latin typeface="+mn-lt"/>
-                <a:ea typeface="+mn-ea"/>
-                <a:cs typeface="+mn-cs"/>
-              </a:defRPr>
-            </a:lvl6pPr>
-            <a:lvl7pPr marL="2971800" indent="-228600" algn="l" defTabSz="914400" rtl="0" eaLnBrk="1" latinLnBrk="0" hangingPunct="1">
-              <a:spcBef>
-                <a:spcPct val="20000"/>
-              </a:spcBef>
-              <a:buFont typeface="Arial" pitchFamily="34" charset="0"/>
-              <a:buChar char="•"/>
-              <a:defRPr sz="2000" kern="1200">
-                <a:solidFill>
-                  <a:schemeClr val="tx1"/>
-                </a:solidFill>
-                <a:latin typeface="+mn-lt"/>
-                <a:ea typeface="+mn-ea"/>
-                <a:cs typeface="+mn-cs"/>
-              </a:defRPr>
-            </a:lvl7pPr>
-            <a:lvl8pPr marL="3429000" indent="-228600" algn="l" defTabSz="914400" rtl="0" eaLnBrk="1" latinLnBrk="0" hangingPunct="1">
-              <a:spcBef>
-                <a:spcPct val="20000"/>
-              </a:spcBef>
-              <a:buFont typeface="Arial" pitchFamily="34" charset="0"/>
-              <a:buChar char="•"/>
-              <a:defRPr sz="2000" kern="1200">
-                <a:solidFill>
-                  <a:schemeClr val="tx1"/>
-                </a:solidFill>
-                <a:latin typeface="+mn-lt"/>
-                <a:ea typeface="+mn-ea"/>
-                <a:cs typeface="+mn-cs"/>
-              </a:defRPr>
-            </a:lvl8pPr>
-            <a:lvl9pPr marL="3886200" indent="-228600" algn="l" defTabSz="914400" rtl="0" eaLnBrk="1" latinLnBrk="0" hangingPunct="1">
-              <a:spcBef>
-                <a:spcPct val="20000"/>
-              </a:spcBef>
-              <a:buFont typeface="Arial" pitchFamily="34" charset="0"/>
-              <a:buChar char="•"/>
-              <a:defRPr sz="2000" kern="1200">
-                <a:solidFill>
-                  <a:schemeClr val="tx1"/>
-                </a:solidFill>
-                <a:latin typeface="+mn-lt"/>
-                <a:ea typeface="+mn-ea"/>
-                <a:cs typeface="+mn-cs"/>
-              </a:defRPr>
-            </a:lvl9pPr>
-          </a:lstStyle>
-          <a:p>
-            <a:pPr marL="0" indent="0">
-              <a:buNone/>
-            </a:pPr>
-            <a:r>
-              <a:rPr lang="en-US" dirty="0" err="1" smtClean="0">
-                <a:latin typeface="Courier New" panose="02070309020205020404" pitchFamily="49" charset="0"/>
-                <a:cs typeface="Courier New" panose="02070309020205020404" pitchFamily="49" charset="0"/>
-              </a:rPr>
-              <a:t>land_c</a:t>
-            </a:r>
-            <a:r>
-              <a:rPr lang="en-US" dirty="0" smtClean="0">
-                <a:latin typeface="Courier New" panose="02070309020205020404" pitchFamily="49" charset="0"/>
-                <a:cs typeface="Courier New" panose="02070309020205020404" pitchFamily="49" charset="0"/>
-              </a:rPr>
-              <a:t>  under 100 </a:t>
-            </a:r>
-            <a:r>
-              <a:rPr lang="en-US" dirty="0" err="1" smtClean="0">
-                <a:latin typeface="Courier New" panose="02070309020205020404" pitchFamily="49" charset="0"/>
-                <a:cs typeface="Courier New" panose="02070309020205020404" pitchFamily="49" charset="0"/>
-              </a:rPr>
-              <a:t>sq</a:t>
-            </a:r>
-            <a:r>
-              <a:rPr lang="en-US" dirty="0" smtClean="0">
-                <a:latin typeface="Courier New" panose="02070309020205020404" pitchFamily="49" charset="0"/>
-                <a:cs typeface="Courier New" panose="02070309020205020404" pitchFamily="49" charset="0"/>
-              </a:rPr>
-              <a:t> km   98</a:t>
-            </a:r>
-          </a:p>
-          <a:p>
-            <a:pPr marL="0" indent="0">
-              <a:buNone/>
-            </a:pPr>
-            <a:r>
-              <a:rPr lang="en-US" dirty="0" smtClean="0">
-                <a:latin typeface="Courier New" panose="02070309020205020404" pitchFamily="49" charset="0"/>
-                <a:cs typeface="Courier New" panose="02070309020205020404" pitchFamily="49" charset="0"/>
-              </a:rPr>
-              <a:t>        100-1,000 </a:t>
-            </a:r>
-            <a:r>
-              <a:rPr lang="en-US" dirty="0" err="1" smtClean="0">
-                <a:latin typeface="Courier New" panose="02070309020205020404" pitchFamily="49" charset="0"/>
-                <a:cs typeface="Courier New" panose="02070309020205020404" pitchFamily="49" charset="0"/>
-              </a:rPr>
-              <a:t>sq</a:t>
-            </a:r>
-            <a:r>
-              <a:rPr lang="en-US" dirty="0" smtClean="0">
-                <a:latin typeface="Courier New" panose="02070309020205020404" pitchFamily="49" charset="0"/>
-                <a:cs typeface="Courier New" panose="02070309020205020404" pitchFamily="49" charset="0"/>
-              </a:rPr>
-              <a:t> km  142</a:t>
-            </a:r>
-          </a:p>
-          <a:p>
-            <a:pPr marL="0" indent="0">
-              <a:buNone/>
-            </a:pPr>
-            <a:r>
-              <a:rPr lang="en-US" dirty="0" smtClean="0">
-                <a:latin typeface="Courier New" panose="02070309020205020404" pitchFamily="49" charset="0"/>
-                <a:cs typeface="Courier New" panose="02070309020205020404" pitchFamily="49" charset="0"/>
-              </a:rPr>
-              <a:t>     1,000-10,000 </a:t>
-            </a:r>
-            <a:r>
-              <a:rPr lang="en-US" dirty="0" err="1" smtClean="0">
-                <a:latin typeface="Courier New" panose="02070309020205020404" pitchFamily="49" charset="0"/>
-                <a:cs typeface="Courier New" panose="02070309020205020404" pitchFamily="49" charset="0"/>
-              </a:rPr>
-              <a:t>sq</a:t>
-            </a:r>
-            <a:r>
-              <a:rPr lang="en-US" dirty="0" smtClean="0">
-                <a:latin typeface="Courier New" panose="02070309020205020404" pitchFamily="49" charset="0"/>
-                <a:cs typeface="Courier New" panose="02070309020205020404" pitchFamily="49" charset="0"/>
-              </a:rPr>
-              <a:t> km  198</a:t>
-            </a:r>
-          </a:p>
-          <a:p>
-            <a:endParaRPr lang="en-US" dirty="0" smtClean="0">
-              <a:latin typeface="Courier New" panose="02070309020205020404" pitchFamily="49" charset="0"/>
-              <a:cs typeface="Courier New" panose="02070309020205020404" pitchFamily="49" charset="0"/>
-            </a:endParaRPr>
-          </a:p>
-          <a:p>
-            <a:pPr marL="0" indent="0">
-              <a:buNone/>
-            </a:pPr>
-            <a:r>
-              <a:rPr lang="en-US" dirty="0" err="1" smtClean="0">
-                <a:latin typeface="Courier New" panose="02070309020205020404" pitchFamily="49" charset="0"/>
-                <a:cs typeface="Courier New" panose="02070309020205020404" pitchFamily="49" charset="0"/>
-              </a:rPr>
-              <a:t>literacy_c</a:t>
-            </a:r>
-            <a:r>
-              <a:rPr lang="en-US" dirty="0" smtClean="0">
-                <a:latin typeface="Courier New" panose="02070309020205020404" pitchFamily="49" charset="0"/>
-                <a:cs typeface="Courier New" panose="02070309020205020404" pitchFamily="49" charset="0"/>
-              </a:rPr>
-              <a:t>  0-50%  50-75% 75-100% </a:t>
-            </a:r>
-          </a:p>
-          <a:p>
-            <a:pPr marL="0" indent="0">
-              <a:buNone/>
-            </a:pPr>
-            <a:r>
-              <a:rPr lang="en-US" dirty="0" smtClean="0">
-                <a:latin typeface="Courier New" panose="02070309020205020404" pitchFamily="49" charset="0"/>
-                <a:cs typeface="Courier New" panose="02070309020205020404" pitchFamily="49" charset="0"/>
-              </a:rPr>
-              <a:t>              163     103     172</a:t>
-            </a:r>
-          </a:p>
-          <a:p>
-            <a:endParaRPr lang="en-US" dirty="0">
-              <a:latin typeface="Courier New" panose="02070309020205020404" pitchFamily="49" charset="0"/>
-              <a:cs typeface="Courier New" panose="02070309020205020404" pitchFamily="49" charset="0"/>
-            </a:endParaRPr>
-          </a:p>
-        </p:txBody>
-      </p:sp>
-    </p:spTree>
-    <p:extLst>
-      <p:ext uri="{BB962C8B-B14F-4D97-AF65-F5344CB8AC3E}">
-        <p14:creationId xmlns:p14="http://schemas.microsoft.com/office/powerpoint/2010/main" val="2693552208"/>
-      </p:ext>
-    </p:extLst>
-  </p:cSld>
-  <p:clrMapOvr>
-    <a:masterClrMapping/>
-  </p:clrMapOvr>
-</p:sld>
-</file>
-
-<file path=ppt/slides/slide44.xml><?xml version="1.0" encoding="utf-8"?>
-<p:sld xmlns:a="http://schemas.openxmlformats.org/drawingml/2006/main" xmlns:r="http://schemas.openxmlformats.org/officeDocument/2006/relationships" xmlns:p="http://schemas.openxmlformats.org/presentationml/2006/main">
-  <p:cSld>
-    <p:spTree>
-      <p:nvGrpSpPr>
-        <p:cNvPr id="1" name=""/>
-        <p:cNvGrpSpPr/>
-        <p:nvPr/>
-      </p:nvGrpSpPr>
-      <p:grpSpPr>
-        <a:xfrm>
-          <a:off x="0" y="0"/>
-          <a:ext cx="0" cy="0"/>
-          <a:chOff x="0" y="0"/>
-          <a:chExt cx="0" cy="0"/>
-        </a:xfrm>
-      </p:grpSpPr>
-      <p:sp>
-        <p:nvSpPr>
-          <p:cNvPr id="2" name="Title 1"/>
-          <p:cNvSpPr>
-            <a:spLocks noGrp="1"/>
-          </p:cNvSpPr>
-          <p:nvPr>
-            <p:ph type="title"/>
-          </p:nvPr>
-        </p:nvSpPr>
-        <p:spPr/>
-        <p:txBody>
-          <a:bodyPr/>
-          <a:lstStyle/>
-          <a:p>
-            <a:r>
-              <a:rPr lang="en-US" dirty="0"/>
-              <a:t>The leader data set, Kaplan-Meier curves</a:t>
-            </a:r>
-          </a:p>
-        </p:txBody>
-      </p:sp>
-      <p:sp>
-        <p:nvSpPr>
-          <p:cNvPr id="4" name="Footer Placeholder 3"/>
-          <p:cNvSpPr>
-            <a:spLocks noGrp="1"/>
-          </p:cNvSpPr>
-          <p:nvPr>
-            <p:ph type="ftr" sz="quarter" idx="11"/>
-          </p:nvPr>
-        </p:nvSpPr>
-        <p:spPr/>
-        <p:txBody>
-          <a:bodyPr/>
-          <a:lstStyle/>
-          <a:p>
-            <a:r>
-              <a:rPr lang="en-US" smtClean="0"/>
-              <a:t>©2018 Steve Simon | https://TheAnalysisFactor.com</a:t>
-            </a:r>
-            <a:endParaRPr lang="en-US"/>
-          </a:p>
-        </p:txBody>
-      </p:sp>
-      <p:sp>
-        <p:nvSpPr>
-          <p:cNvPr id="5" name="Slide Number Placeholder 4"/>
-          <p:cNvSpPr>
-            <a:spLocks noGrp="1"/>
-          </p:cNvSpPr>
-          <p:nvPr>
-            <p:ph type="sldNum" sz="quarter" idx="12"/>
-          </p:nvPr>
-        </p:nvSpPr>
-        <p:spPr/>
-        <p:txBody>
-          <a:bodyPr/>
-          <a:lstStyle/>
-          <a:p>
-            <a:fld id="{C2E4F4E2-DEA3-44FD-BEC9-57866B7FA44A}" type="slidenum">
-              <a:rPr lang="en-US" smtClean="0"/>
-              <a:t>44</a:t>
-            </a:fld>
-            <a:endParaRPr lang="en-US"/>
-          </a:p>
-        </p:txBody>
-      </p:sp>
-      <p:pic>
-        <p:nvPicPr>
-          <p:cNvPr id="6" name="Picture 5">
-            <a:extLst>
-              <a:ext uri="{FF2B5EF4-FFF2-40B4-BE49-F238E27FC236}">
-                <a16:creationId xmlns:a16="http://schemas.microsoft.com/office/drawing/2014/main" id="{8164A0F1-8E85-430F-869C-0DE998DDA631}"/>
-              </a:ext>
-            </a:extLst>
-          </p:cNvPr>
-          <p:cNvPicPr>
-            <a:picLocks noChangeAspect="1"/>
-          </p:cNvPicPr>
-          <p:nvPr/>
-        </p:nvPicPr>
-        <p:blipFill>
-          <a:blip r:embed="rId2"/>
-          <a:stretch>
-            <a:fillRect/>
-          </a:stretch>
-        </p:blipFill>
-        <p:spPr>
-          <a:xfrm>
-            <a:off x="1219200" y="1083496"/>
-            <a:ext cx="6552686" cy="3640382"/>
-          </a:xfrm>
-          <a:prstGeom prst="rect">
-            <a:avLst/>
-          </a:prstGeom>
-        </p:spPr>
-      </p:pic>
-    </p:spTree>
-    <p:extLst>
-      <p:ext uri="{BB962C8B-B14F-4D97-AF65-F5344CB8AC3E}">
-        <p14:creationId xmlns:p14="http://schemas.microsoft.com/office/powerpoint/2010/main" val="1849115352"/>
-      </p:ext>
-    </p:extLst>
-  </p:cSld>
-  <p:clrMapOvr>
-    <a:masterClrMapping/>
-  </p:clrMapOvr>
-</p:sld>
-</file>
-
-<file path=ppt/slides/slide45.xml><?xml version="1.0" encoding="utf-8"?>
-<p:sld xmlns:a="http://schemas.openxmlformats.org/drawingml/2006/main" xmlns:r="http://schemas.openxmlformats.org/officeDocument/2006/relationships" xmlns:p="http://schemas.openxmlformats.org/presentationml/2006/main">
-  <p:cSld>
-    <p:spTree>
-      <p:nvGrpSpPr>
-        <p:cNvPr id="1" name=""/>
-        <p:cNvGrpSpPr/>
-        <p:nvPr/>
-      </p:nvGrpSpPr>
-      <p:grpSpPr>
-        <a:xfrm>
-          <a:off x="0" y="0"/>
-          <a:ext cx="0" cy="0"/>
-          <a:chOff x="0" y="0"/>
-          <a:chExt cx="0" cy="0"/>
-        </a:xfrm>
-      </p:grpSpPr>
-      <p:sp>
-        <p:nvSpPr>
-          <p:cNvPr id="2" name="Title 1"/>
-          <p:cNvSpPr>
-            <a:spLocks noGrp="1"/>
-          </p:cNvSpPr>
-          <p:nvPr>
-            <p:ph type="title"/>
-          </p:nvPr>
-        </p:nvSpPr>
-        <p:spPr/>
-        <p:txBody>
-          <a:bodyPr/>
-          <a:lstStyle/>
-          <a:p>
-            <a:r>
-              <a:rPr lang="en-US" dirty="0"/>
-              <a:t>The leader data set</a:t>
-            </a:r>
-          </a:p>
-        </p:txBody>
-      </p:sp>
-      <p:sp>
-        <p:nvSpPr>
-          <p:cNvPr id="3" name="Content Placeholder 2"/>
-          <p:cNvSpPr>
-            <a:spLocks noGrp="1"/>
-          </p:cNvSpPr>
-          <p:nvPr>
-            <p:ph idx="1"/>
-          </p:nvPr>
-        </p:nvSpPr>
-        <p:spPr/>
-        <p:txBody>
-          <a:bodyPr/>
-          <a:lstStyle/>
-          <a:p>
-            <a:pPr marL="0" indent="0">
-              <a:buNone/>
-            </a:pPr>
-            <a:r>
-              <a:rPr lang="en-US" b="1" dirty="0">
-                <a:solidFill>
-                  <a:srgbClr val="2361A1"/>
-                </a:solidFill>
-              </a:rPr>
-              <a:t>Run a multivariate Cox model</a:t>
-            </a:r>
-          </a:p>
-          <a:p>
-            <a:pPr marL="0" indent="0">
-              <a:buNone/>
-            </a:pPr>
-            <a:endParaRPr lang="en-US" dirty="0"/>
-          </a:p>
-        </p:txBody>
-      </p:sp>
-      <p:sp>
-        <p:nvSpPr>
-          <p:cNvPr id="4" name="Footer Placeholder 3"/>
-          <p:cNvSpPr>
-            <a:spLocks noGrp="1"/>
-          </p:cNvSpPr>
-          <p:nvPr>
-            <p:ph type="ftr" sz="quarter" idx="11"/>
-          </p:nvPr>
-        </p:nvSpPr>
-        <p:spPr/>
-        <p:txBody>
-          <a:bodyPr/>
-          <a:lstStyle/>
-          <a:p>
-            <a:r>
-              <a:rPr lang="en-US" smtClean="0"/>
-              <a:t>©2018 Steve Simon | https://TheAnalysisFactor.com</a:t>
-            </a:r>
-            <a:endParaRPr lang="en-US"/>
-          </a:p>
-        </p:txBody>
-      </p:sp>
-      <p:sp>
-        <p:nvSpPr>
-          <p:cNvPr id="5" name="Slide Number Placeholder 4"/>
-          <p:cNvSpPr>
-            <a:spLocks noGrp="1"/>
-          </p:cNvSpPr>
-          <p:nvPr>
-            <p:ph type="sldNum" sz="quarter" idx="12"/>
-          </p:nvPr>
-        </p:nvSpPr>
-        <p:spPr/>
-        <p:txBody>
-          <a:bodyPr/>
-          <a:lstStyle/>
-          <a:p>
-            <a:fld id="{C2E4F4E2-DEA3-44FD-BEC9-57866B7FA44A}" type="slidenum">
-              <a:rPr lang="en-US" smtClean="0"/>
-              <a:t>45</a:t>
-            </a:fld>
-            <a:endParaRPr lang="en-US"/>
-          </a:p>
-        </p:txBody>
-      </p:sp>
-      <p:sp>
-        <p:nvSpPr>
-          <p:cNvPr id="7" name="Text Placeholder 2"/>
-          <p:cNvSpPr txBox="1">
-            <a:spLocks/>
-          </p:cNvSpPr>
-          <p:nvPr/>
-        </p:nvSpPr>
-        <p:spPr>
-          <a:xfrm>
-            <a:off x="304800" y="1733550"/>
-            <a:ext cx="8229600" cy="2362200"/>
-          </a:xfrm>
-          <a:prstGeom prst="rect">
-            <a:avLst/>
-          </a:prstGeom>
-        </p:spPr>
-        <p:txBody>
-          <a:bodyPr vert="horz" lIns="91440" tIns="45720" rIns="91440" bIns="45720" rtlCol="0">
-            <a:normAutofit/>
-          </a:bodyPr>
-          <a:lstStyle>
-            <a:lvl1pPr marL="342900" indent="-342900" algn="l" defTabSz="914400" rtl="0" eaLnBrk="1" latinLnBrk="0" hangingPunct="1">
-              <a:spcBef>
-                <a:spcPct val="20000"/>
-              </a:spcBef>
-              <a:buFont typeface="Arial" pitchFamily="34" charset="0"/>
-              <a:buChar char="•"/>
-              <a:defRPr sz="1800" kern="1200">
-                <a:solidFill>
-                  <a:schemeClr val="tx1"/>
-                </a:solidFill>
-                <a:latin typeface="+mn-lt"/>
-                <a:ea typeface="+mn-ea"/>
-                <a:cs typeface="+mn-cs"/>
-              </a:defRPr>
-            </a:lvl1pPr>
-            <a:lvl2pPr marL="742950" indent="-285750" algn="l" defTabSz="914400" rtl="0" eaLnBrk="1" latinLnBrk="0" hangingPunct="1">
-              <a:spcBef>
-                <a:spcPct val="20000"/>
-              </a:spcBef>
-              <a:buFont typeface="Arial" pitchFamily="34" charset="0"/>
-              <a:buChar char="–"/>
-              <a:defRPr sz="2800" kern="1200">
-                <a:solidFill>
-                  <a:schemeClr val="tx1"/>
-                </a:solidFill>
-                <a:latin typeface="+mn-lt"/>
-                <a:ea typeface="+mn-ea"/>
-                <a:cs typeface="+mn-cs"/>
-              </a:defRPr>
-            </a:lvl2pPr>
-            <a:lvl3pPr marL="1143000" indent="-228600" algn="l" defTabSz="914400" rtl="0" eaLnBrk="1" latinLnBrk="0" hangingPunct="1">
-              <a:spcBef>
-                <a:spcPct val="20000"/>
-              </a:spcBef>
-              <a:buFont typeface="Arial" pitchFamily="34" charset="0"/>
-              <a:buChar char="•"/>
-              <a:defRPr sz="2400" kern="1200">
-                <a:solidFill>
-                  <a:schemeClr val="tx1"/>
-                </a:solidFill>
-                <a:latin typeface="+mn-lt"/>
-                <a:ea typeface="+mn-ea"/>
-                <a:cs typeface="+mn-cs"/>
-              </a:defRPr>
-            </a:lvl3pPr>
-            <a:lvl4pPr marL="1600200" indent="-228600" algn="l" defTabSz="914400" rtl="0" eaLnBrk="1" latinLnBrk="0" hangingPunct="1">
-              <a:spcBef>
-                <a:spcPct val="20000"/>
-              </a:spcBef>
-              <a:buFont typeface="Arial" pitchFamily="34" charset="0"/>
-              <a:buChar char="–"/>
-              <a:defRPr sz="2000" kern="1200">
-                <a:solidFill>
-                  <a:schemeClr val="tx1"/>
-                </a:solidFill>
-                <a:latin typeface="+mn-lt"/>
-                <a:ea typeface="+mn-ea"/>
-                <a:cs typeface="+mn-cs"/>
-              </a:defRPr>
-            </a:lvl4pPr>
-            <a:lvl5pPr marL="2057400" indent="-228600" algn="l" defTabSz="914400" rtl="0" eaLnBrk="1" latinLnBrk="0" hangingPunct="1">
-              <a:spcBef>
-                <a:spcPct val="20000"/>
-              </a:spcBef>
-              <a:buFont typeface="Arial" pitchFamily="34" charset="0"/>
-              <a:buChar char="»"/>
-              <a:defRPr sz="2000" kern="1200">
-                <a:solidFill>
-                  <a:schemeClr val="tx1"/>
-                </a:solidFill>
-                <a:latin typeface="+mn-lt"/>
-                <a:ea typeface="+mn-ea"/>
-                <a:cs typeface="+mn-cs"/>
-              </a:defRPr>
-            </a:lvl5pPr>
-            <a:lvl6pPr marL="2514600" indent="-228600" algn="l" defTabSz="914400" rtl="0" eaLnBrk="1" latinLnBrk="0" hangingPunct="1">
-              <a:spcBef>
-                <a:spcPct val="20000"/>
-              </a:spcBef>
-              <a:buFont typeface="Arial" pitchFamily="34" charset="0"/>
-              <a:buChar char="•"/>
-              <a:defRPr sz="2000" kern="1200">
-                <a:solidFill>
-                  <a:schemeClr val="tx1"/>
-                </a:solidFill>
-                <a:latin typeface="+mn-lt"/>
-                <a:ea typeface="+mn-ea"/>
-                <a:cs typeface="+mn-cs"/>
-              </a:defRPr>
-            </a:lvl6pPr>
-            <a:lvl7pPr marL="2971800" indent="-228600" algn="l" defTabSz="914400" rtl="0" eaLnBrk="1" latinLnBrk="0" hangingPunct="1">
-              <a:spcBef>
-                <a:spcPct val="20000"/>
-              </a:spcBef>
-              <a:buFont typeface="Arial" pitchFamily="34" charset="0"/>
-              <a:buChar char="•"/>
-              <a:defRPr sz="2000" kern="1200">
-                <a:solidFill>
-                  <a:schemeClr val="tx1"/>
-                </a:solidFill>
-                <a:latin typeface="+mn-lt"/>
-                <a:ea typeface="+mn-ea"/>
-                <a:cs typeface="+mn-cs"/>
-              </a:defRPr>
-            </a:lvl7pPr>
-            <a:lvl8pPr marL="3429000" indent="-228600" algn="l" defTabSz="914400" rtl="0" eaLnBrk="1" latinLnBrk="0" hangingPunct="1">
-              <a:spcBef>
-                <a:spcPct val="20000"/>
-              </a:spcBef>
-              <a:buFont typeface="Arial" pitchFamily="34" charset="0"/>
-              <a:buChar char="•"/>
-              <a:defRPr sz="2000" kern="1200">
-                <a:solidFill>
-                  <a:schemeClr val="tx1"/>
-                </a:solidFill>
-                <a:latin typeface="+mn-lt"/>
-                <a:ea typeface="+mn-ea"/>
-                <a:cs typeface="+mn-cs"/>
-              </a:defRPr>
-            </a:lvl8pPr>
-            <a:lvl9pPr marL="3886200" indent="-228600" algn="l" defTabSz="914400" rtl="0" eaLnBrk="1" latinLnBrk="0" hangingPunct="1">
-              <a:spcBef>
-                <a:spcPct val="20000"/>
-              </a:spcBef>
-              <a:buFont typeface="Arial" pitchFamily="34" charset="0"/>
-              <a:buChar char="•"/>
-              <a:defRPr sz="2000" kern="1200">
-                <a:solidFill>
-                  <a:schemeClr val="tx1"/>
-                </a:solidFill>
-                <a:latin typeface="+mn-lt"/>
-                <a:ea typeface="+mn-ea"/>
-                <a:cs typeface="+mn-cs"/>
-              </a:defRPr>
-            </a:lvl9pPr>
-          </a:lstStyle>
-          <a:p>
-            <a:pPr marL="0" indent="0">
-              <a:buNone/>
-            </a:pPr>
-            <a:r>
-              <a:rPr lang="fr-FR" dirty="0" smtClean="0">
-                <a:latin typeface="Courier New" panose="02070309020205020404" pitchFamily="49" charset="0"/>
-                <a:cs typeface="Courier New" panose="02070309020205020404" pitchFamily="49" charset="0"/>
-              </a:rPr>
-              <a:t>              </a:t>
-            </a:r>
-            <a:r>
-              <a:rPr lang="fr-FR" dirty="0" err="1" smtClean="0">
-                <a:latin typeface="Courier New" panose="02070309020205020404" pitchFamily="49" charset="0"/>
-                <a:cs typeface="Courier New" panose="02070309020205020404" pitchFamily="49" charset="0"/>
-              </a:rPr>
-              <a:t>coef</a:t>
-            </a:r>
-            <a:r>
-              <a:rPr lang="fr-FR" dirty="0" smtClean="0">
-                <a:latin typeface="Courier New" panose="02070309020205020404" pitchFamily="49" charset="0"/>
-                <a:cs typeface="Courier New" panose="02070309020205020404" pitchFamily="49" charset="0"/>
-              </a:rPr>
-              <a:t> </a:t>
-            </a:r>
-            <a:r>
-              <a:rPr lang="fr-FR" dirty="0" err="1" smtClean="0">
-                <a:latin typeface="Courier New" panose="02070309020205020404" pitchFamily="49" charset="0"/>
-                <a:cs typeface="Courier New" panose="02070309020205020404" pitchFamily="49" charset="0"/>
-              </a:rPr>
-              <a:t>exp</a:t>
-            </a:r>
-            <a:r>
-              <a:rPr lang="fr-FR" dirty="0" smtClean="0">
-                <a:latin typeface="Courier New" panose="02070309020205020404" pitchFamily="49" charset="0"/>
-                <a:cs typeface="Courier New" panose="02070309020205020404" pitchFamily="49" charset="0"/>
-              </a:rPr>
-              <a:t>(</a:t>
-            </a:r>
-            <a:r>
-              <a:rPr lang="fr-FR" dirty="0" err="1" smtClean="0">
-                <a:latin typeface="Courier New" panose="02070309020205020404" pitchFamily="49" charset="0"/>
-                <a:cs typeface="Courier New" panose="02070309020205020404" pitchFamily="49" charset="0"/>
-              </a:rPr>
-              <a:t>coef</a:t>
-            </a:r>
-            <a:r>
-              <a:rPr lang="fr-FR" dirty="0" smtClean="0">
-                <a:latin typeface="Courier New" panose="02070309020205020404" pitchFamily="49" charset="0"/>
-                <a:cs typeface="Courier New" panose="02070309020205020404" pitchFamily="49" charset="0"/>
-              </a:rPr>
-              <a:t>)  se(</a:t>
-            </a:r>
-            <a:r>
-              <a:rPr lang="fr-FR" dirty="0" err="1" smtClean="0">
-                <a:latin typeface="Courier New" panose="02070309020205020404" pitchFamily="49" charset="0"/>
-                <a:cs typeface="Courier New" panose="02070309020205020404" pitchFamily="49" charset="0"/>
-              </a:rPr>
-              <a:t>coef</a:t>
-            </a:r>
-            <a:r>
-              <a:rPr lang="fr-FR" dirty="0" smtClean="0">
-                <a:latin typeface="Courier New" panose="02070309020205020404" pitchFamily="49" charset="0"/>
-                <a:cs typeface="Courier New" panose="02070309020205020404" pitchFamily="49" charset="0"/>
-              </a:rPr>
-              <a:t>)      z    p-v</a:t>
-            </a:r>
-            <a:endParaRPr lang="en-US" dirty="0" smtClean="0">
-              <a:latin typeface="Courier New" panose="02070309020205020404" pitchFamily="49" charset="0"/>
-              <a:cs typeface="Courier New" panose="02070309020205020404" pitchFamily="49" charset="0"/>
-            </a:endParaRPr>
-          </a:p>
-          <a:p>
-            <a:pPr marL="0" indent="0">
-              <a:buNone/>
-            </a:pPr>
-            <a:r>
-              <a:rPr lang="en-US" dirty="0" smtClean="0">
-                <a:latin typeface="Courier New" panose="02070309020205020404" pitchFamily="49" charset="0"/>
-                <a:cs typeface="Courier New" panose="02070309020205020404" pitchFamily="49" charset="0"/>
-              </a:rPr>
-              <a:t>manner    0.359963  1.433277  0.153237  2.349 0.0188</a:t>
-            </a:r>
-          </a:p>
-          <a:p>
-            <a:pPr marL="0" indent="0">
-              <a:buNone/>
-            </a:pPr>
-            <a:r>
-              <a:rPr lang="en-US" dirty="0" smtClean="0">
-                <a:latin typeface="Courier New" panose="02070309020205020404" pitchFamily="49" charset="0"/>
-                <a:cs typeface="Courier New" panose="02070309020205020404" pitchFamily="49" charset="0"/>
-              </a:rPr>
-              <a:t>military -0.128457  0.879451  0.157289 -0.817 0.4141</a:t>
-            </a:r>
-          </a:p>
-          <a:p>
-            <a:pPr marL="0" indent="0">
-              <a:buNone/>
-            </a:pPr>
-            <a:r>
-              <a:rPr lang="en-US" dirty="0" smtClean="0">
-                <a:latin typeface="Courier New" panose="02070309020205020404" pitchFamily="49" charset="0"/>
-                <a:cs typeface="Courier New" panose="02070309020205020404" pitchFamily="49" charset="0"/>
-              </a:rPr>
-              <a:t>age       0.024148  1.024442  0.004967  4.862 0.0001</a:t>
-            </a:r>
-          </a:p>
-          <a:p>
-            <a:endParaRPr lang="en-US" dirty="0">
-              <a:latin typeface="Courier New" panose="02070309020205020404" pitchFamily="49" charset="0"/>
-              <a:cs typeface="Courier New" panose="02070309020205020404" pitchFamily="49" charset="0"/>
-            </a:endParaRPr>
-          </a:p>
-        </p:txBody>
-      </p:sp>
-    </p:spTree>
-    <p:extLst>
-      <p:ext uri="{BB962C8B-B14F-4D97-AF65-F5344CB8AC3E}">
-        <p14:creationId xmlns:p14="http://schemas.microsoft.com/office/powerpoint/2010/main" val="2334221905"/>
-      </p:ext>
-    </p:extLst>
-  </p:cSld>
-  <p:clrMapOvr>
-    <a:masterClrMapping/>
-  </p:clrMapOvr>
-</p:sld>
-</file>
-
-<file path=ppt/slides/slide46.xml><?xml version="1.0" encoding="utf-8"?>
-<p:sld xmlns:a="http://schemas.openxmlformats.org/drawingml/2006/main" xmlns:r="http://schemas.openxmlformats.org/officeDocument/2006/relationships" xmlns:p="http://schemas.openxmlformats.org/presentationml/2006/main">
-  <p:cSld>
-    <p:spTree>
-      <p:nvGrpSpPr>
-        <p:cNvPr id="1" name=""/>
-        <p:cNvGrpSpPr/>
-        <p:nvPr/>
-      </p:nvGrpSpPr>
-      <p:grpSpPr>
-        <a:xfrm>
-          <a:off x="0" y="0"/>
-          <a:ext cx="0" cy="0"/>
-          <a:chOff x="0" y="0"/>
-          <a:chExt cx="0" cy="0"/>
-        </a:xfrm>
-      </p:grpSpPr>
-      <p:sp>
-        <p:nvSpPr>
-          <p:cNvPr id="2" name="Title 1"/>
-          <p:cNvSpPr>
-            <a:spLocks noGrp="1"/>
-          </p:cNvSpPr>
-          <p:nvPr>
-            <p:ph type="title"/>
-          </p:nvPr>
-        </p:nvSpPr>
-        <p:spPr/>
-        <p:txBody>
-          <a:bodyPr/>
-          <a:lstStyle/>
-          <a:p>
-            <a:r>
-              <a:rPr lang="en-US" dirty="0"/>
-              <a:t>The competing risks model</a:t>
-            </a:r>
-          </a:p>
-        </p:txBody>
-      </p:sp>
-      <p:sp>
-        <p:nvSpPr>
-          <p:cNvPr id="3" name="Content Placeholder 2"/>
-          <p:cNvSpPr>
-            <a:spLocks noGrp="1"/>
-          </p:cNvSpPr>
-          <p:nvPr>
-            <p:ph idx="1"/>
-          </p:nvPr>
-        </p:nvSpPr>
-        <p:spPr>
-          <a:xfrm>
-            <a:off x="304800" y="971550"/>
-            <a:ext cx="8534400" cy="1371600"/>
-          </a:xfrm>
-        </p:spPr>
-        <p:txBody>
-          <a:bodyPr>
-            <a:normAutofit/>
-          </a:bodyPr>
-          <a:lstStyle/>
-          <a:p>
-            <a:pPr marL="0" indent="0">
-              <a:buNone/>
-            </a:pPr>
-            <a:r>
-              <a:rPr lang="en-US" dirty="0" smtClean="0"/>
-              <a:t>If there are two or more causes of death and you are interested in developing a model for the individual causes, then you need a competing risk model.</a:t>
-            </a:r>
-          </a:p>
-          <a:p>
-            <a:pPr marL="0" indent="0">
-              <a:buNone/>
-            </a:pPr>
-            <a:endParaRPr lang="en-US" sz="1400" dirty="0"/>
-          </a:p>
-          <a:p>
-            <a:pPr marL="0" indent="0">
-              <a:buNone/>
-            </a:pPr>
-            <a:r>
-              <a:rPr lang="en-US" dirty="0" smtClean="0"/>
-              <a:t>The competing risk model assumes that the </a:t>
-            </a:r>
-            <a:r>
-              <a:rPr lang="en-US" dirty="0" err="1" smtClean="0"/>
-              <a:t>overal</a:t>
-            </a:r>
-            <a:r>
-              <a:rPr lang="en-US" dirty="0" smtClean="0"/>
-              <a:t> hazard function, h(t), can be written as</a:t>
-            </a:r>
-            <a:endParaRPr lang="en-US" dirty="0"/>
-          </a:p>
-        </p:txBody>
-      </p:sp>
-      <p:sp>
-        <p:nvSpPr>
-          <p:cNvPr id="4" name="Footer Placeholder 3"/>
-          <p:cNvSpPr>
-            <a:spLocks noGrp="1"/>
-          </p:cNvSpPr>
-          <p:nvPr>
-            <p:ph type="ftr" sz="quarter" idx="11"/>
-          </p:nvPr>
-        </p:nvSpPr>
-        <p:spPr/>
-        <p:txBody>
-          <a:bodyPr/>
-          <a:lstStyle/>
-          <a:p>
-            <a:r>
-              <a:rPr lang="en-US" smtClean="0"/>
-              <a:t>©2018 Steve Simon | https://TheAnalysisFactor.com</a:t>
-            </a:r>
-            <a:endParaRPr lang="en-US"/>
-          </a:p>
-        </p:txBody>
-      </p:sp>
-      <p:sp>
-        <p:nvSpPr>
-          <p:cNvPr id="5" name="Slide Number Placeholder 4"/>
-          <p:cNvSpPr>
-            <a:spLocks noGrp="1"/>
-          </p:cNvSpPr>
-          <p:nvPr>
-            <p:ph type="sldNum" sz="quarter" idx="12"/>
-          </p:nvPr>
-        </p:nvSpPr>
-        <p:spPr/>
-        <p:txBody>
-          <a:bodyPr/>
-          <a:lstStyle/>
-          <a:p>
-            <a:fld id="{C2E4F4E2-DEA3-44FD-BEC9-57866B7FA44A}" type="slidenum">
-              <a:rPr lang="en-US" smtClean="0"/>
-              <a:t>46</a:t>
-            </a:fld>
-            <a:endParaRPr lang="en-US"/>
-          </a:p>
-        </p:txBody>
-      </p:sp>
-      <p:sp>
-        <p:nvSpPr>
-          <p:cNvPr id="6" name="Content Placeholder 2"/>
-          <p:cNvSpPr txBox="1">
-            <a:spLocks/>
-          </p:cNvSpPr>
-          <p:nvPr/>
-        </p:nvSpPr>
-        <p:spPr>
-          <a:xfrm>
-            <a:off x="304800" y="2942809"/>
-            <a:ext cx="8534400" cy="1371600"/>
-          </a:xfrm>
-          <a:prstGeom prst="rect">
-            <a:avLst/>
-          </a:prstGeom>
-        </p:spPr>
-        <p:txBody>
-          <a:bodyPr vert="horz" lIns="91440" tIns="45720" rIns="91440" bIns="45720" rtlCol="0">
-            <a:noAutofit/>
-          </a:bodyPr>
-          <a:lstStyle>
-            <a:lvl1pPr marL="342900" indent="-342900" algn="l" defTabSz="914400" rtl="0" eaLnBrk="1" latinLnBrk="0" hangingPunct="1">
-              <a:spcBef>
-                <a:spcPct val="20000"/>
-              </a:spcBef>
-              <a:buFont typeface="Arial" pitchFamily="34" charset="0"/>
-              <a:buChar char="•"/>
-              <a:defRPr sz="1800" kern="1200">
-                <a:solidFill>
-                  <a:schemeClr val="tx1"/>
-                </a:solidFill>
-                <a:latin typeface="+mn-lt"/>
-                <a:ea typeface="+mn-ea"/>
-                <a:cs typeface="+mn-cs"/>
-              </a:defRPr>
-            </a:lvl1pPr>
-            <a:lvl2pPr marL="742950" indent="-285750" algn="l" defTabSz="914400" rtl="0" eaLnBrk="1" latinLnBrk="0" hangingPunct="1">
-              <a:spcBef>
-                <a:spcPct val="20000"/>
-              </a:spcBef>
-              <a:buFont typeface="Arial" pitchFamily="34" charset="0"/>
-              <a:buChar char="–"/>
-              <a:defRPr sz="2800" kern="1200">
-                <a:solidFill>
-                  <a:schemeClr val="tx1"/>
-                </a:solidFill>
-                <a:latin typeface="+mn-lt"/>
-                <a:ea typeface="+mn-ea"/>
-                <a:cs typeface="+mn-cs"/>
-              </a:defRPr>
-            </a:lvl2pPr>
-            <a:lvl3pPr marL="1143000" indent="-228600" algn="l" defTabSz="914400" rtl="0" eaLnBrk="1" latinLnBrk="0" hangingPunct="1">
-              <a:spcBef>
-                <a:spcPct val="20000"/>
-              </a:spcBef>
-              <a:buFont typeface="Arial" pitchFamily="34" charset="0"/>
-              <a:buChar char="•"/>
-              <a:defRPr sz="2400" kern="1200">
-                <a:solidFill>
-                  <a:schemeClr val="tx1"/>
-                </a:solidFill>
-                <a:latin typeface="+mn-lt"/>
-                <a:ea typeface="+mn-ea"/>
-                <a:cs typeface="+mn-cs"/>
-              </a:defRPr>
-            </a:lvl3pPr>
-            <a:lvl4pPr marL="1600200" indent="-228600" algn="l" defTabSz="914400" rtl="0" eaLnBrk="1" latinLnBrk="0" hangingPunct="1">
-              <a:spcBef>
-                <a:spcPct val="20000"/>
-              </a:spcBef>
-              <a:buFont typeface="Arial" pitchFamily="34" charset="0"/>
-              <a:buChar char="–"/>
-              <a:defRPr sz="2000" kern="1200">
-                <a:solidFill>
-                  <a:schemeClr val="tx1"/>
-                </a:solidFill>
-                <a:latin typeface="+mn-lt"/>
-                <a:ea typeface="+mn-ea"/>
-                <a:cs typeface="+mn-cs"/>
-              </a:defRPr>
-            </a:lvl4pPr>
-            <a:lvl5pPr marL="2057400" indent="-228600" algn="l" defTabSz="914400" rtl="0" eaLnBrk="1" latinLnBrk="0" hangingPunct="1">
-              <a:spcBef>
-                <a:spcPct val="20000"/>
-              </a:spcBef>
-              <a:buFont typeface="Arial" pitchFamily="34" charset="0"/>
-              <a:buChar char="»"/>
-              <a:defRPr sz="2000" kern="1200">
-                <a:solidFill>
-                  <a:schemeClr val="tx1"/>
-                </a:solidFill>
-                <a:latin typeface="+mn-lt"/>
-                <a:ea typeface="+mn-ea"/>
-                <a:cs typeface="+mn-cs"/>
-              </a:defRPr>
-            </a:lvl5pPr>
-            <a:lvl6pPr marL="2514600" indent="-228600" algn="l" defTabSz="914400" rtl="0" eaLnBrk="1" latinLnBrk="0" hangingPunct="1">
-              <a:spcBef>
-                <a:spcPct val="20000"/>
-              </a:spcBef>
-              <a:buFont typeface="Arial" pitchFamily="34" charset="0"/>
-              <a:buChar char="•"/>
-              <a:defRPr sz="2000" kern="1200">
-                <a:solidFill>
-                  <a:schemeClr val="tx1"/>
-                </a:solidFill>
-                <a:latin typeface="+mn-lt"/>
-                <a:ea typeface="+mn-ea"/>
-                <a:cs typeface="+mn-cs"/>
-              </a:defRPr>
-            </a:lvl6pPr>
-            <a:lvl7pPr marL="2971800" indent="-228600" algn="l" defTabSz="914400" rtl="0" eaLnBrk="1" latinLnBrk="0" hangingPunct="1">
-              <a:spcBef>
-                <a:spcPct val="20000"/>
-              </a:spcBef>
-              <a:buFont typeface="Arial" pitchFamily="34" charset="0"/>
-              <a:buChar char="•"/>
-              <a:defRPr sz="2000" kern="1200">
-                <a:solidFill>
-                  <a:schemeClr val="tx1"/>
-                </a:solidFill>
-                <a:latin typeface="+mn-lt"/>
-                <a:ea typeface="+mn-ea"/>
-                <a:cs typeface="+mn-cs"/>
-              </a:defRPr>
-            </a:lvl7pPr>
-            <a:lvl8pPr marL="3429000" indent="-228600" algn="l" defTabSz="914400" rtl="0" eaLnBrk="1" latinLnBrk="0" hangingPunct="1">
-              <a:spcBef>
-                <a:spcPct val="20000"/>
-              </a:spcBef>
-              <a:buFont typeface="Arial" pitchFamily="34" charset="0"/>
-              <a:buChar char="•"/>
-              <a:defRPr sz="2000" kern="1200">
-                <a:solidFill>
-                  <a:schemeClr val="tx1"/>
-                </a:solidFill>
-                <a:latin typeface="+mn-lt"/>
-                <a:ea typeface="+mn-ea"/>
-                <a:cs typeface="+mn-cs"/>
-              </a:defRPr>
-            </a:lvl8pPr>
-            <a:lvl9pPr marL="3886200" indent="-228600" algn="l" defTabSz="914400" rtl="0" eaLnBrk="1" latinLnBrk="0" hangingPunct="1">
-              <a:spcBef>
-                <a:spcPct val="20000"/>
-              </a:spcBef>
-              <a:buFont typeface="Arial" pitchFamily="34" charset="0"/>
-              <a:buChar char="•"/>
-              <a:defRPr sz="2000" kern="1200">
-                <a:solidFill>
-                  <a:schemeClr val="tx1"/>
-                </a:solidFill>
-                <a:latin typeface="+mn-lt"/>
-                <a:ea typeface="+mn-ea"/>
-                <a:cs typeface="+mn-cs"/>
-              </a:defRPr>
-            </a:lvl9pPr>
-          </a:lstStyle>
-          <a:p>
-            <a:pPr marL="0" indent="0">
               <a:buFont typeface="Arial" pitchFamily="34" charset="0"/>
               <a:buNone/>
             </a:pPr>
@@ -13156,10 +12192,17 @@
   <p:clrMapOvr>
     <a:masterClrMapping/>
   </p:clrMapOvr>
+  <p:timing>
+    <p:tnLst>
+      <p:par>
+        <p:cTn id="1" dur="indefinite" restart="never" nodeType="tmRoot"/>
+      </p:par>
+    </p:tnLst>
+  </p:timing>
 </p:sld>
 </file>
 
-<file path=ppt/slides/slide47.xml><?xml version="1.0" encoding="utf-8"?>
+<file path=ppt/slides/slide44.xml><?xml version="1.0" encoding="utf-8"?>
 <p:sld xmlns:a="http://schemas.openxmlformats.org/drawingml/2006/main" xmlns:r="http://schemas.openxmlformats.org/officeDocument/2006/relationships" xmlns:p="http://schemas.openxmlformats.org/presentationml/2006/main">
   <p:cSld>
     <p:spTree>
@@ -13392,7 +12435,7 @@
           <a:p>
             <a:fld id="{C2E4F4E2-DEA3-44FD-BEC9-57866B7FA44A}" type="slidenum">
               <a:rPr lang="en-US" smtClean="0"/>
-              <a:t>47</a:t>
+              <a:t>44</a:t>
             </a:fld>
             <a:endParaRPr lang="en-US"/>
           </a:p>
@@ -13466,10 +12509,17 @@
   <p:clrMapOvr>
     <a:masterClrMapping/>
   </p:clrMapOvr>
+  <p:timing>
+    <p:tnLst>
+      <p:par>
+        <p:cTn id="1" dur="indefinite" restart="never" nodeType="tmRoot"/>
+      </p:par>
+    </p:tnLst>
+  </p:timing>
 </p:sld>
 </file>
 
-<file path=ppt/slides/slide48.xml><?xml version="1.0" encoding="utf-8"?>
+<file path=ppt/slides/slide45.xml><?xml version="1.0" encoding="utf-8"?>
 <p:sld xmlns:a="http://schemas.openxmlformats.org/drawingml/2006/main" xmlns:r="http://schemas.openxmlformats.org/officeDocument/2006/relationships" xmlns:p="http://schemas.openxmlformats.org/presentationml/2006/main">
   <p:cSld>
     <p:spTree>
@@ -13700,7 +12750,7 @@
           <a:p>
             <a:fld id="{C2E4F4E2-DEA3-44FD-BEC9-57866B7FA44A}" type="slidenum">
               <a:rPr lang="en-US" smtClean="0"/>
-              <a:t>48</a:t>
+              <a:t>45</a:t>
             </a:fld>
             <a:endParaRPr lang="en-US"/>
           </a:p>
@@ -13803,10 +12853,17 @@
   <p:clrMapOvr>
     <a:masterClrMapping/>
   </p:clrMapOvr>
+  <p:timing>
+    <p:tnLst>
+      <p:par>
+        <p:cTn id="1" dur="indefinite" restart="never" nodeType="tmRoot"/>
+      </p:par>
+    </p:tnLst>
+  </p:timing>
 </p:sld>
 </file>
 
-<file path=ppt/slides/slide49.xml><?xml version="1.0" encoding="utf-8"?>
+<file path=ppt/slides/slide46.xml><?xml version="1.0" encoding="utf-8"?>
 <p:sld xmlns:a="http://schemas.openxmlformats.org/drawingml/2006/main" xmlns:r="http://schemas.openxmlformats.org/officeDocument/2006/relationships" xmlns:p="http://schemas.openxmlformats.org/presentationml/2006/main">
   <p:cSld>
     <p:spTree>
@@ -13885,7 +12942,7 @@
           <a:p>
             <a:fld id="{C2E4F4E2-DEA3-44FD-BEC9-57866B7FA44A}" type="slidenum">
               <a:rPr lang="en-US" smtClean="0"/>
-              <a:t>49</a:t>
+              <a:t>46</a:t>
             </a:fld>
             <a:endParaRPr lang="en-US"/>
           </a:p>
@@ -13931,6 +12988,500 @@
   <p:clrMapOvr>
     <a:masterClrMapping/>
   </p:clrMapOvr>
+  <p:timing>
+    <p:tnLst>
+      <p:par>
+        <p:cTn id="1" dur="indefinite" restart="never" nodeType="tmRoot"/>
+      </p:par>
+    </p:tnLst>
+  </p:timing>
+</p:sld>
+</file>
+
+<file path=ppt/slides/slide47.xml><?xml version="1.0" encoding="utf-8"?>
+<p:sld xmlns:a="http://schemas.openxmlformats.org/drawingml/2006/main" xmlns:r="http://schemas.openxmlformats.org/officeDocument/2006/relationships" xmlns:p="http://schemas.openxmlformats.org/presentationml/2006/main">
+  <p:cSld>
+    <p:spTree>
+      <p:nvGrpSpPr>
+        <p:cNvPr id="1" name=""/>
+        <p:cNvGrpSpPr/>
+        <p:nvPr/>
+      </p:nvGrpSpPr>
+      <p:grpSpPr>
+        <a:xfrm>
+          <a:off x="0" y="0"/>
+          <a:ext cx="0" cy="0"/>
+          <a:chOff x="0" y="0"/>
+          <a:chExt cx="0" cy="0"/>
+        </a:xfrm>
+      </p:grpSpPr>
+      <p:sp>
+        <p:nvSpPr>
+          <p:cNvPr id="2" name="Title 1"/>
+          <p:cNvSpPr>
+            <a:spLocks noGrp="1"/>
+          </p:cNvSpPr>
+          <p:nvPr>
+            <p:ph type="title"/>
+          </p:nvPr>
+        </p:nvSpPr>
+        <p:spPr/>
+        <p:txBody>
+          <a:bodyPr/>
+          <a:lstStyle/>
+          <a:p>
+            <a:r>
+              <a:rPr lang="en-US" dirty="0"/>
+              <a:t>Subgroup </a:t>
+            </a:r>
+            <a:r>
+              <a:rPr lang="en-US" dirty="0" err="1"/>
+              <a:t>nonconstitutional</a:t>
+            </a:r>
+            <a:r>
+              <a:rPr lang="en-US" dirty="0"/>
+              <a:t> ascent</a:t>
+            </a:r>
+          </a:p>
+        </p:txBody>
+      </p:sp>
+      <p:sp>
+        <p:nvSpPr>
+          <p:cNvPr id="4" name="Footer Placeholder 3"/>
+          <p:cNvSpPr>
+            <a:spLocks noGrp="1"/>
+          </p:cNvSpPr>
+          <p:nvPr>
+            <p:ph type="ftr" sz="quarter" idx="11"/>
+          </p:nvPr>
+        </p:nvSpPr>
+        <p:spPr/>
+        <p:txBody>
+          <a:bodyPr/>
+          <a:lstStyle/>
+          <a:p>
+            <a:r>
+              <a:rPr lang="en-US" smtClean="0"/>
+              <a:t>©2018 Steve Simon | https://TheAnalysisFactor.com</a:t>
+            </a:r>
+            <a:endParaRPr lang="en-US"/>
+          </a:p>
+        </p:txBody>
+      </p:sp>
+      <p:sp>
+        <p:nvSpPr>
+          <p:cNvPr id="5" name="Slide Number Placeholder 4"/>
+          <p:cNvSpPr>
+            <a:spLocks noGrp="1"/>
+          </p:cNvSpPr>
+          <p:nvPr>
+            <p:ph type="sldNum" sz="quarter" idx="12"/>
+          </p:nvPr>
+        </p:nvSpPr>
+        <p:spPr/>
+        <p:txBody>
+          <a:bodyPr/>
+          <a:lstStyle/>
+          <a:p>
+            <a:fld id="{C2E4F4E2-DEA3-44FD-BEC9-57866B7FA44A}" type="slidenum">
+              <a:rPr lang="en-US" smtClean="0"/>
+              <a:t>47</a:t>
+            </a:fld>
+            <a:endParaRPr lang="en-US"/>
+          </a:p>
+        </p:txBody>
+      </p:sp>
+      <p:pic>
+        <p:nvPicPr>
+          <p:cNvPr id="7" name="Picture 6">
+            <a:extLst>
+              <a:ext uri="{FF2B5EF4-FFF2-40B4-BE49-F238E27FC236}">
+                <a16:creationId xmlns:a16="http://schemas.microsoft.com/office/drawing/2014/main" id="{14FB125D-094E-4196-8258-3C5D3A9A8AB2}"/>
+              </a:ext>
+            </a:extLst>
+          </p:cNvPr>
+          <p:cNvPicPr>
+            <a:picLocks noChangeAspect="1"/>
+          </p:cNvPicPr>
+          <p:nvPr/>
+        </p:nvPicPr>
+        <p:blipFill>
+          <a:blip r:embed="rId2"/>
+          <a:stretch>
+            <a:fillRect/>
+          </a:stretch>
+        </p:blipFill>
+        <p:spPr>
+          <a:xfrm>
+            <a:off x="1295400" y="994608"/>
+            <a:ext cx="6629400" cy="3683000"/>
+          </a:xfrm>
+          <a:prstGeom prst="rect">
+            <a:avLst/>
+          </a:prstGeom>
+        </p:spPr>
+      </p:pic>
+    </p:spTree>
+    <p:extLst>
+      <p:ext uri="{BB962C8B-B14F-4D97-AF65-F5344CB8AC3E}">
+        <p14:creationId xmlns:p14="http://schemas.microsoft.com/office/powerpoint/2010/main" val="854849018"/>
+      </p:ext>
+    </p:extLst>
+  </p:cSld>
+  <p:clrMapOvr>
+    <a:masterClrMapping/>
+  </p:clrMapOvr>
+  <p:timing>
+    <p:tnLst>
+      <p:par>
+        <p:cTn id="1" dur="indefinite" restart="never" nodeType="tmRoot"/>
+      </p:par>
+    </p:tnLst>
+  </p:timing>
+</p:sld>
+</file>
+
+<file path=ppt/slides/slide48.xml><?xml version="1.0" encoding="utf-8"?>
+<p:sld xmlns:a="http://schemas.openxmlformats.org/drawingml/2006/main" xmlns:r="http://schemas.openxmlformats.org/officeDocument/2006/relationships" xmlns:p="http://schemas.openxmlformats.org/presentationml/2006/main">
+  <p:cSld>
+    <p:spTree>
+      <p:nvGrpSpPr>
+        <p:cNvPr id="1" name=""/>
+        <p:cNvGrpSpPr/>
+        <p:nvPr/>
+      </p:nvGrpSpPr>
+      <p:grpSpPr>
+        <a:xfrm>
+          <a:off x="0" y="0"/>
+          <a:ext cx="0" cy="0"/>
+          <a:chOff x="0" y="0"/>
+          <a:chExt cx="0" cy="0"/>
+        </a:xfrm>
+      </p:grpSpPr>
+      <p:sp>
+        <p:nvSpPr>
+          <p:cNvPr id="2" name="Title 1"/>
+          <p:cNvSpPr>
+            <a:spLocks noGrp="1"/>
+          </p:cNvSpPr>
+          <p:nvPr>
+            <p:ph type="title"/>
+          </p:nvPr>
+        </p:nvSpPr>
+        <p:spPr/>
+        <p:txBody>
+          <a:bodyPr/>
+          <a:lstStyle/>
+          <a:p>
+            <a:r>
+              <a:rPr lang="en-US" dirty="0"/>
+              <a:t>Subgroup </a:t>
+            </a:r>
+            <a:r>
+              <a:rPr lang="en-US" dirty="0" smtClean="0"/>
+              <a:t>constitutional </a:t>
+            </a:r>
+            <a:r>
+              <a:rPr lang="en-US" dirty="0"/>
+              <a:t>ascent</a:t>
+            </a:r>
+          </a:p>
+        </p:txBody>
+      </p:sp>
+      <p:sp>
+        <p:nvSpPr>
+          <p:cNvPr id="4" name="Footer Placeholder 3"/>
+          <p:cNvSpPr>
+            <a:spLocks noGrp="1"/>
+          </p:cNvSpPr>
+          <p:nvPr>
+            <p:ph type="ftr" sz="quarter" idx="11"/>
+          </p:nvPr>
+        </p:nvSpPr>
+        <p:spPr/>
+        <p:txBody>
+          <a:bodyPr/>
+          <a:lstStyle/>
+          <a:p>
+            <a:r>
+              <a:rPr lang="en-US" smtClean="0"/>
+              <a:t>©2018 Steve Simon | https://TheAnalysisFactor.com</a:t>
+            </a:r>
+            <a:endParaRPr lang="en-US"/>
+          </a:p>
+        </p:txBody>
+      </p:sp>
+      <p:sp>
+        <p:nvSpPr>
+          <p:cNvPr id="5" name="Slide Number Placeholder 4"/>
+          <p:cNvSpPr>
+            <a:spLocks noGrp="1"/>
+          </p:cNvSpPr>
+          <p:nvPr>
+            <p:ph type="sldNum" sz="quarter" idx="12"/>
+          </p:nvPr>
+        </p:nvSpPr>
+        <p:spPr/>
+        <p:txBody>
+          <a:bodyPr/>
+          <a:lstStyle/>
+          <a:p>
+            <a:fld id="{C2E4F4E2-DEA3-44FD-BEC9-57866B7FA44A}" type="slidenum">
+              <a:rPr lang="en-US" smtClean="0"/>
+              <a:t>48</a:t>
+            </a:fld>
+            <a:endParaRPr lang="en-US"/>
+          </a:p>
+        </p:txBody>
+      </p:sp>
+      <p:pic>
+        <p:nvPicPr>
+          <p:cNvPr id="6" name="Picture 5">
+            <a:extLst>
+              <a:ext uri="{FF2B5EF4-FFF2-40B4-BE49-F238E27FC236}">
+                <a16:creationId xmlns:a16="http://schemas.microsoft.com/office/drawing/2014/main" id="{1B397DE3-AA4B-40CF-9FD1-1AE04675D245}"/>
+              </a:ext>
+            </a:extLst>
+          </p:cNvPr>
+          <p:cNvPicPr>
+            <a:picLocks noChangeAspect="1"/>
+          </p:cNvPicPr>
+          <p:nvPr/>
+        </p:nvPicPr>
+        <p:blipFill>
+          <a:blip r:embed="rId2"/>
+          <a:stretch>
+            <a:fillRect/>
+          </a:stretch>
+        </p:blipFill>
+        <p:spPr>
+          <a:xfrm>
+            <a:off x="1219200" y="994608"/>
+            <a:ext cx="6669760" cy="3705422"/>
+          </a:xfrm>
+          <a:prstGeom prst="rect">
+            <a:avLst/>
+          </a:prstGeom>
+        </p:spPr>
+      </p:pic>
+    </p:spTree>
+    <p:extLst>
+      <p:ext uri="{BB962C8B-B14F-4D97-AF65-F5344CB8AC3E}">
+        <p14:creationId xmlns:p14="http://schemas.microsoft.com/office/powerpoint/2010/main" val="1403502671"/>
+      </p:ext>
+    </p:extLst>
+  </p:cSld>
+  <p:clrMapOvr>
+    <a:masterClrMapping/>
+  </p:clrMapOvr>
+  <p:timing>
+    <p:tnLst>
+      <p:par>
+        <p:cTn id="1" dur="indefinite" restart="never" nodeType="tmRoot"/>
+      </p:par>
+    </p:tnLst>
+  </p:timing>
+</p:sld>
+</file>
+
+<file path=ppt/slides/slide49.xml><?xml version="1.0" encoding="utf-8"?>
+<p:sld xmlns:a="http://schemas.openxmlformats.org/drawingml/2006/main" xmlns:r="http://schemas.openxmlformats.org/officeDocument/2006/relationships" xmlns:p="http://schemas.openxmlformats.org/presentationml/2006/main">
+  <p:cSld>
+    <p:spTree>
+      <p:nvGrpSpPr>
+        <p:cNvPr id="1" name=""/>
+        <p:cNvGrpSpPr/>
+        <p:nvPr/>
+      </p:nvGrpSpPr>
+      <p:grpSpPr>
+        <a:xfrm>
+          <a:off x="0" y="0"/>
+          <a:ext cx="0" cy="0"/>
+          <a:chOff x="0" y="0"/>
+          <a:chExt cx="0" cy="0"/>
+        </a:xfrm>
+      </p:grpSpPr>
+      <p:sp>
+        <p:nvSpPr>
+          <p:cNvPr id="2" name="Title 1"/>
+          <p:cNvSpPr>
+            <a:spLocks noGrp="1"/>
+          </p:cNvSpPr>
+          <p:nvPr>
+            <p:ph type="title"/>
+          </p:nvPr>
+        </p:nvSpPr>
+        <p:spPr/>
+        <p:txBody>
+          <a:bodyPr/>
+          <a:lstStyle/>
+          <a:p>
+            <a:r>
+              <a:rPr lang="en-US" dirty="0"/>
+              <a:t>Conclusion</a:t>
+            </a:r>
+          </a:p>
+        </p:txBody>
+      </p:sp>
+      <p:sp>
+        <p:nvSpPr>
+          <p:cNvPr id="3" name="Content Placeholder 2"/>
+          <p:cNvSpPr>
+            <a:spLocks noGrp="1"/>
+          </p:cNvSpPr>
+          <p:nvPr>
+            <p:ph idx="1"/>
+          </p:nvPr>
+        </p:nvSpPr>
+        <p:spPr/>
+        <p:txBody>
+          <a:bodyPr/>
+          <a:lstStyle/>
+          <a:p>
+            <a:pPr marL="0" indent="0">
+              <a:buNone/>
+            </a:pPr>
+            <a:r>
+              <a:rPr lang="en-US" b="1" dirty="0">
+                <a:solidFill>
+                  <a:srgbClr val="2361A1"/>
+                </a:solidFill>
+              </a:rPr>
+              <a:t>What have you learned today</a:t>
+            </a:r>
+            <a:r>
+              <a:rPr lang="en-US" b="1" dirty="0" smtClean="0">
+                <a:solidFill>
+                  <a:srgbClr val="2361A1"/>
+                </a:solidFill>
+              </a:rPr>
+              <a:t>?</a:t>
+            </a:r>
+            <a:endParaRPr lang="en-US" dirty="0" smtClean="0"/>
+          </a:p>
+          <a:p>
+            <a:pPr marL="457200" indent="-457200">
+              <a:lnSpc>
+                <a:spcPct val="150000"/>
+              </a:lnSpc>
+              <a:buFont typeface="+mj-lt"/>
+              <a:buAutoNum type="arabicPeriod"/>
+            </a:pPr>
+            <a:r>
+              <a:rPr lang="en-US" sz="1600" dirty="0"/>
+              <a:t>Simple example of censoring</a:t>
+            </a:r>
+          </a:p>
+          <a:p>
+            <a:pPr marL="457200" indent="-457200">
+              <a:lnSpc>
+                <a:spcPct val="150000"/>
+              </a:lnSpc>
+              <a:buFont typeface="+mj-lt"/>
+              <a:buAutoNum type="arabicPeriod"/>
+            </a:pPr>
+            <a:r>
+              <a:rPr lang="en-US" sz="1600" dirty="0"/>
+              <a:t>Applications of survival analysis beyond survival</a:t>
+            </a:r>
+          </a:p>
+          <a:p>
+            <a:pPr marL="457200" indent="-457200">
+              <a:lnSpc>
+                <a:spcPct val="150000"/>
+              </a:lnSpc>
+              <a:buFont typeface="+mj-lt"/>
+              <a:buAutoNum type="arabicPeriod"/>
+            </a:pPr>
+            <a:r>
+              <a:rPr lang="en-US" sz="1600" dirty="0"/>
+              <a:t>Interpretation of the Kaplan-Meier curve</a:t>
+            </a:r>
+          </a:p>
+          <a:p>
+            <a:pPr marL="457200" indent="-457200">
+              <a:lnSpc>
+                <a:spcPct val="150000"/>
+              </a:lnSpc>
+              <a:buFont typeface="+mj-lt"/>
+              <a:buAutoNum type="arabicPeriod"/>
+            </a:pPr>
+            <a:r>
+              <a:rPr lang="en-US" sz="1600" dirty="0"/>
+              <a:t>Simple example of competing risk analysis</a:t>
+            </a:r>
+          </a:p>
+          <a:p>
+            <a:pPr marL="0" indent="0">
+              <a:buNone/>
+            </a:pPr>
+            <a:endParaRPr lang="en-US" dirty="0"/>
+          </a:p>
+        </p:txBody>
+      </p:sp>
+      <p:sp>
+        <p:nvSpPr>
+          <p:cNvPr id="4" name="Footer Placeholder 3"/>
+          <p:cNvSpPr>
+            <a:spLocks noGrp="1"/>
+          </p:cNvSpPr>
+          <p:nvPr>
+            <p:ph type="ftr" sz="quarter" idx="11"/>
+          </p:nvPr>
+        </p:nvSpPr>
+        <p:spPr/>
+        <p:txBody>
+          <a:bodyPr/>
+          <a:lstStyle/>
+          <a:p>
+            <a:r>
+              <a:rPr lang="en-US" smtClean="0"/>
+              <a:t>©2018 Steve Simon | https://TheAnalysisFactor.com</a:t>
+            </a:r>
+            <a:endParaRPr lang="en-US"/>
+          </a:p>
+        </p:txBody>
+      </p:sp>
+      <p:sp>
+        <p:nvSpPr>
+          <p:cNvPr id="5" name="Slide Number Placeholder 4"/>
+          <p:cNvSpPr>
+            <a:spLocks noGrp="1"/>
+          </p:cNvSpPr>
+          <p:nvPr>
+            <p:ph type="sldNum" sz="quarter" idx="12"/>
+          </p:nvPr>
+        </p:nvSpPr>
+        <p:spPr/>
+        <p:txBody>
+          <a:bodyPr/>
+          <a:lstStyle/>
+          <a:p>
+            <a:fld id="{C2E4F4E2-DEA3-44FD-BEC9-57866B7FA44A}" type="slidenum">
+              <a:rPr lang="en-US" smtClean="0"/>
+              <a:t>49</a:t>
+            </a:fld>
+            <a:endParaRPr lang="en-US"/>
+          </a:p>
+        </p:txBody>
+      </p:sp>
+    </p:spTree>
+    <p:extLst>
+      <p:ext uri="{BB962C8B-B14F-4D97-AF65-F5344CB8AC3E}">
+        <p14:creationId xmlns:p14="http://schemas.microsoft.com/office/powerpoint/2010/main" val="3356418240"/>
+      </p:ext>
+    </p:extLst>
+  </p:cSld>
+  <p:clrMapOvr>
+    <a:masterClrMapping/>
+  </p:clrMapOvr>
+  <p:timing>
+    <p:tnLst>
+      <p:par>
+        <p:cTn id="1" dur="indefinite" restart="never" nodeType="tmRoot"/>
+      </p:par>
+    </p:tnLst>
+  </p:timing>
 </p:sld>
 </file>
 
@@ -14099,6 +13650,13 @@
   <p:clrMapOvr>
     <a:masterClrMapping/>
   </p:clrMapOvr>
+  <p:timing>
+    <p:tnLst>
+      <p:par>
+        <p:cTn id="1" dur="indefinite" restart="never" nodeType="tmRoot"/>
+      </p:par>
+    </p:tnLst>
+  </p:timing>
 </p:sld>
 </file>
 
@@ -14135,472 +13693,6 @@
           <a:lstStyle/>
           <a:p>
             <a:r>
-              <a:rPr lang="en-US" dirty="0"/>
-              <a:t>Subgroup </a:t>
-            </a:r>
-            <a:r>
-              <a:rPr lang="en-US" dirty="0" err="1"/>
-              <a:t>nonconstitutional</a:t>
-            </a:r>
-            <a:r>
-              <a:rPr lang="en-US" dirty="0"/>
-              <a:t> ascent</a:t>
-            </a:r>
-          </a:p>
-        </p:txBody>
-      </p:sp>
-      <p:sp>
-        <p:nvSpPr>
-          <p:cNvPr id="4" name="Footer Placeholder 3"/>
-          <p:cNvSpPr>
-            <a:spLocks noGrp="1"/>
-          </p:cNvSpPr>
-          <p:nvPr>
-            <p:ph type="ftr" sz="quarter" idx="11"/>
-          </p:nvPr>
-        </p:nvSpPr>
-        <p:spPr/>
-        <p:txBody>
-          <a:bodyPr/>
-          <a:lstStyle/>
-          <a:p>
-            <a:r>
-              <a:rPr lang="en-US" smtClean="0"/>
-              <a:t>©2018 Steve Simon | https://TheAnalysisFactor.com</a:t>
-            </a:r>
-            <a:endParaRPr lang="en-US"/>
-          </a:p>
-        </p:txBody>
-      </p:sp>
-      <p:sp>
-        <p:nvSpPr>
-          <p:cNvPr id="5" name="Slide Number Placeholder 4"/>
-          <p:cNvSpPr>
-            <a:spLocks noGrp="1"/>
-          </p:cNvSpPr>
-          <p:nvPr>
-            <p:ph type="sldNum" sz="quarter" idx="12"/>
-          </p:nvPr>
-        </p:nvSpPr>
-        <p:spPr/>
-        <p:txBody>
-          <a:bodyPr/>
-          <a:lstStyle/>
-          <a:p>
-            <a:fld id="{C2E4F4E2-DEA3-44FD-BEC9-57866B7FA44A}" type="slidenum">
-              <a:rPr lang="en-US" smtClean="0"/>
-              <a:t>50</a:t>
-            </a:fld>
-            <a:endParaRPr lang="en-US"/>
-          </a:p>
-        </p:txBody>
-      </p:sp>
-      <p:pic>
-        <p:nvPicPr>
-          <p:cNvPr id="7" name="Picture 6">
-            <a:extLst>
-              <a:ext uri="{FF2B5EF4-FFF2-40B4-BE49-F238E27FC236}">
-                <a16:creationId xmlns:a16="http://schemas.microsoft.com/office/drawing/2014/main" id="{14FB125D-094E-4196-8258-3C5D3A9A8AB2}"/>
-              </a:ext>
-            </a:extLst>
-          </p:cNvPr>
-          <p:cNvPicPr>
-            <a:picLocks noChangeAspect="1"/>
-          </p:cNvPicPr>
-          <p:nvPr/>
-        </p:nvPicPr>
-        <p:blipFill>
-          <a:blip r:embed="rId2"/>
-          <a:stretch>
-            <a:fillRect/>
-          </a:stretch>
-        </p:blipFill>
-        <p:spPr>
-          <a:xfrm>
-            <a:off x="1295400" y="994608"/>
-            <a:ext cx="6629400" cy="3683000"/>
-          </a:xfrm>
-          <a:prstGeom prst="rect">
-            <a:avLst/>
-          </a:prstGeom>
-        </p:spPr>
-      </p:pic>
-    </p:spTree>
-    <p:extLst>
-      <p:ext uri="{BB962C8B-B14F-4D97-AF65-F5344CB8AC3E}">
-        <p14:creationId xmlns:p14="http://schemas.microsoft.com/office/powerpoint/2010/main" val="854849018"/>
-      </p:ext>
-    </p:extLst>
-  </p:cSld>
-  <p:clrMapOvr>
-    <a:masterClrMapping/>
-  </p:clrMapOvr>
-</p:sld>
-</file>
-
-<file path=ppt/slides/slide51.xml><?xml version="1.0" encoding="utf-8"?>
-<p:sld xmlns:a="http://schemas.openxmlformats.org/drawingml/2006/main" xmlns:r="http://schemas.openxmlformats.org/officeDocument/2006/relationships" xmlns:p="http://schemas.openxmlformats.org/presentationml/2006/main">
-  <p:cSld>
-    <p:spTree>
-      <p:nvGrpSpPr>
-        <p:cNvPr id="1" name=""/>
-        <p:cNvGrpSpPr/>
-        <p:nvPr/>
-      </p:nvGrpSpPr>
-      <p:grpSpPr>
-        <a:xfrm>
-          <a:off x="0" y="0"/>
-          <a:ext cx="0" cy="0"/>
-          <a:chOff x="0" y="0"/>
-          <a:chExt cx="0" cy="0"/>
-        </a:xfrm>
-      </p:grpSpPr>
-      <p:sp>
-        <p:nvSpPr>
-          <p:cNvPr id="2" name="Title 1"/>
-          <p:cNvSpPr>
-            <a:spLocks noGrp="1"/>
-          </p:cNvSpPr>
-          <p:nvPr>
-            <p:ph type="title"/>
-          </p:nvPr>
-        </p:nvSpPr>
-        <p:spPr/>
-        <p:txBody>
-          <a:bodyPr/>
-          <a:lstStyle/>
-          <a:p>
-            <a:r>
-              <a:rPr lang="en-US" dirty="0"/>
-              <a:t>Subgroup </a:t>
-            </a:r>
-            <a:r>
-              <a:rPr lang="en-US" dirty="0" smtClean="0"/>
-              <a:t>constitutional </a:t>
-            </a:r>
-            <a:r>
-              <a:rPr lang="en-US" dirty="0"/>
-              <a:t>ascent</a:t>
-            </a:r>
-          </a:p>
-        </p:txBody>
-      </p:sp>
-      <p:sp>
-        <p:nvSpPr>
-          <p:cNvPr id="4" name="Footer Placeholder 3"/>
-          <p:cNvSpPr>
-            <a:spLocks noGrp="1"/>
-          </p:cNvSpPr>
-          <p:nvPr>
-            <p:ph type="ftr" sz="quarter" idx="11"/>
-          </p:nvPr>
-        </p:nvSpPr>
-        <p:spPr/>
-        <p:txBody>
-          <a:bodyPr/>
-          <a:lstStyle/>
-          <a:p>
-            <a:r>
-              <a:rPr lang="en-US" smtClean="0"/>
-              <a:t>©2018 Steve Simon | https://TheAnalysisFactor.com</a:t>
-            </a:r>
-            <a:endParaRPr lang="en-US"/>
-          </a:p>
-        </p:txBody>
-      </p:sp>
-      <p:sp>
-        <p:nvSpPr>
-          <p:cNvPr id="5" name="Slide Number Placeholder 4"/>
-          <p:cNvSpPr>
-            <a:spLocks noGrp="1"/>
-          </p:cNvSpPr>
-          <p:nvPr>
-            <p:ph type="sldNum" sz="quarter" idx="12"/>
-          </p:nvPr>
-        </p:nvSpPr>
-        <p:spPr/>
-        <p:txBody>
-          <a:bodyPr/>
-          <a:lstStyle/>
-          <a:p>
-            <a:fld id="{C2E4F4E2-DEA3-44FD-BEC9-57866B7FA44A}" type="slidenum">
-              <a:rPr lang="en-US" smtClean="0"/>
-              <a:t>51</a:t>
-            </a:fld>
-            <a:endParaRPr lang="en-US"/>
-          </a:p>
-        </p:txBody>
-      </p:sp>
-      <p:pic>
-        <p:nvPicPr>
-          <p:cNvPr id="6" name="Picture 5">
-            <a:extLst>
-              <a:ext uri="{FF2B5EF4-FFF2-40B4-BE49-F238E27FC236}">
-                <a16:creationId xmlns:a16="http://schemas.microsoft.com/office/drawing/2014/main" id="{1B397DE3-AA4B-40CF-9FD1-1AE04675D245}"/>
-              </a:ext>
-            </a:extLst>
-          </p:cNvPr>
-          <p:cNvPicPr>
-            <a:picLocks noChangeAspect="1"/>
-          </p:cNvPicPr>
-          <p:nvPr/>
-        </p:nvPicPr>
-        <p:blipFill>
-          <a:blip r:embed="rId2"/>
-          <a:stretch>
-            <a:fillRect/>
-          </a:stretch>
-        </p:blipFill>
-        <p:spPr>
-          <a:xfrm>
-            <a:off x="1219200" y="994608"/>
-            <a:ext cx="6669760" cy="3705422"/>
-          </a:xfrm>
-          <a:prstGeom prst="rect">
-            <a:avLst/>
-          </a:prstGeom>
-        </p:spPr>
-      </p:pic>
-    </p:spTree>
-    <p:extLst>
-      <p:ext uri="{BB962C8B-B14F-4D97-AF65-F5344CB8AC3E}">
-        <p14:creationId xmlns:p14="http://schemas.microsoft.com/office/powerpoint/2010/main" val="1403502671"/>
-      </p:ext>
-    </p:extLst>
-  </p:cSld>
-  <p:clrMapOvr>
-    <a:masterClrMapping/>
-  </p:clrMapOvr>
-</p:sld>
-</file>
-
-<file path=ppt/slides/slide52.xml><?xml version="1.0" encoding="utf-8"?>
-<p:sld xmlns:a="http://schemas.openxmlformats.org/drawingml/2006/main" xmlns:r="http://schemas.openxmlformats.org/officeDocument/2006/relationships" xmlns:p="http://schemas.openxmlformats.org/presentationml/2006/main">
-  <p:cSld>
-    <p:spTree>
-      <p:nvGrpSpPr>
-        <p:cNvPr id="1" name=""/>
-        <p:cNvGrpSpPr/>
-        <p:nvPr/>
-      </p:nvGrpSpPr>
-      <p:grpSpPr>
-        <a:xfrm>
-          <a:off x="0" y="0"/>
-          <a:ext cx="0" cy="0"/>
-          <a:chOff x="0" y="0"/>
-          <a:chExt cx="0" cy="0"/>
-        </a:xfrm>
-      </p:grpSpPr>
-      <p:sp>
-        <p:nvSpPr>
-          <p:cNvPr id="2" name="Title 1"/>
-          <p:cNvSpPr>
-            <a:spLocks noGrp="1"/>
-          </p:cNvSpPr>
-          <p:nvPr>
-            <p:ph type="title"/>
-          </p:nvPr>
-        </p:nvSpPr>
-        <p:spPr/>
-        <p:txBody>
-          <a:bodyPr/>
-          <a:lstStyle/>
-          <a:p>
-            <a:r>
-              <a:rPr lang="en-US" dirty="0"/>
-              <a:t>Conclusion</a:t>
-            </a:r>
-          </a:p>
-        </p:txBody>
-      </p:sp>
-      <p:sp>
-        <p:nvSpPr>
-          <p:cNvPr id="3" name="Content Placeholder 2"/>
-          <p:cNvSpPr>
-            <a:spLocks noGrp="1"/>
-          </p:cNvSpPr>
-          <p:nvPr>
-            <p:ph idx="1"/>
-          </p:nvPr>
-        </p:nvSpPr>
-        <p:spPr/>
-        <p:txBody>
-          <a:bodyPr/>
-          <a:lstStyle/>
-          <a:p>
-            <a:pPr marL="0" indent="0">
-              <a:buNone/>
-            </a:pPr>
-            <a:r>
-              <a:rPr lang="en-US" b="1" dirty="0">
-                <a:solidFill>
-                  <a:srgbClr val="2361A1"/>
-                </a:solidFill>
-              </a:rPr>
-              <a:t>What have you learned today</a:t>
-            </a:r>
-            <a:r>
-              <a:rPr lang="en-US" b="1" dirty="0" smtClean="0">
-                <a:solidFill>
-                  <a:srgbClr val="2361A1"/>
-                </a:solidFill>
-              </a:rPr>
-              <a:t>?</a:t>
-            </a:r>
-            <a:endParaRPr lang="en-US" dirty="0" smtClean="0"/>
-          </a:p>
-          <a:p>
-            <a:pPr marL="457200" indent="-457200">
-              <a:lnSpc>
-                <a:spcPct val="150000"/>
-              </a:lnSpc>
-              <a:buFont typeface="+mj-lt"/>
-              <a:buAutoNum type="arabicPeriod"/>
-            </a:pPr>
-            <a:r>
-              <a:rPr lang="en-US" sz="1600" dirty="0"/>
-              <a:t>Simple example of censoring</a:t>
-            </a:r>
-          </a:p>
-          <a:p>
-            <a:pPr marL="457200" indent="-457200">
-              <a:lnSpc>
-                <a:spcPct val="150000"/>
-              </a:lnSpc>
-              <a:buFont typeface="+mj-lt"/>
-              <a:buAutoNum type="arabicPeriod"/>
-            </a:pPr>
-            <a:r>
-              <a:rPr lang="en-US" sz="1600" dirty="0"/>
-              <a:t>Applications of survival analysis beyond survival</a:t>
-            </a:r>
-          </a:p>
-          <a:p>
-            <a:pPr marL="457200" indent="-457200">
-              <a:lnSpc>
-                <a:spcPct val="150000"/>
-              </a:lnSpc>
-              <a:buFont typeface="+mj-lt"/>
-              <a:buAutoNum type="arabicPeriod"/>
-            </a:pPr>
-            <a:r>
-              <a:rPr lang="en-US" sz="1600" dirty="0"/>
-              <a:t>Interpretation of the Kaplan-Meier curve</a:t>
-            </a:r>
-          </a:p>
-          <a:p>
-            <a:pPr marL="457200" indent="-457200">
-              <a:lnSpc>
-                <a:spcPct val="150000"/>
-              </a:lnSpc>
-              <a:buFont typeface="+mj-lt"/>
-              <a:buAutoNum type="arabicPeriod"/>
-            </a:pPr>
-            <a:r>
-              <a:rPr lang="en-US" sz="1600" dirty="0"/>
-              <a:t>Simple example of competing risk analysis</a:t>
-            </a:r>
-          </a:p>
-          <a:p>
-            <a:pPr marL="0" indent="0">
-              <a:buNone/>
-            </a:pPr>
-            <a:endParaRPr lang="en-US" dirty="0"/>
-          </a:p>
-        </p:txBody>
-      </p:sp>
-      <p:sp>
-        <p:nvSpPr>
-          <p:cNvPr id="4" name="Footer Placeholder 3"/>
-          <p:cNvSpPr>
-            <a:spLocks noGrp="1"/>
-          </p:cNvSpPr>
-          <p:nvPr>
-            <p:ph type="ftr" sz="quarter" idx="11"/>
-          </p:nvPr>
-        </p:nvSpPr>
-        <p:spPr/>
-        <p:txBody>
-          <a:bodyPr/>
-          <a:lstStyle/>
-          <a:p>
-            <a:r>
-              <a:rPr lang="en-US" smtClean="0"/>
-              <a:t>©2018 Steve Simon | https://TheAnalysisFactor.com</a:t>
-            </a:r>
-            <a:endParaRPr lang="en-US"/>
-          </a:p>
-        </p:txBody>
-      </p:sp>
-      <p:sp>
-        <p:nvSpPr>
-          <p:cNvPr id="5" name="Slide Number Placeholder 4"/>
-          <p:cNvSpPr>
-            <a:spLocks noGrp="1"/>
-          </p:cNvSpPr>
-          <p:nvPr>
-            <p:ph type="sldNum" sz="quarter" idx="12"/>
-          </p:nvPr>
-        </p:nvSpPr>
-        <p:spPr/>
-        <p:txBody>
-          <a:bodyPr/>
-          <a:lstStyle/>
-          <a:p>
-            <a:fld id="{C2E4F4E2-DEA3-44FD-BEC9-57866B7FA44A}" type="slidenum">
-              <a:rPr lang="en-US" smtClean="0"/>
-              <a:t>52</a:t>
-            </a:fld>
-            <a:endParaRPr lang="en-US"/>
-          </a:p>
-        </p:txBody>
-      </p:sp>
-    </p:spTree>
-    <p:extLst>
-      <p:ext uri="{BB962C8B-B14F-4D97-AF65-F5344CB8AC3E}">
-        <p14:creationId xmlns:p14="http://schemas.microsoft.com/office/powerpoint/2010/main" val="3356418240"/>
-      </p:ext>
-    </p:extLst>
-  </p:cSld>
-  <p:clrMapOvr>
-    <a:masterClrMapping/>
-  </p:clrMapOvr>
-</p:sld>
-</file>
-
-<file path=ppt/slides/slide53.xml><?xml version="1.0" encoding="utf-8"?>
-<p:sld xmlns:a="http://schemas.openxmlformats.org/drawingml/2006/main" xmlns:r="http://schemas.openxmlformats.org/officeDocument/2006/relationships" xmlns:p="http://schemas.openxmlformats.org/presentationml/2006/main">
-  <p:cSld>
-    <p:spTree>
-      <p:nvGrpSpPr>
-        <p:cNvPr id="1" name=""/>
-        <p:cNvGrpSpPr/>
-        <p:nvPr/>
-      </p:nvGrpSpPr>
-      <p:grpSpPr>
-        <a:xfrm>
-          <a:off x="0" y="0"/>
-          <a:ext cx="0" cy="0"/>
-          <a:chOff x="0" y="0"/>
-          <a:chExt cx="0" cy="0"/>
-        </a:xfrm>
-      </p:grpSpPr>
-      <p:sp>
-        <p:nvSpPr>
-          <p:cNvPr id="2" name="Title 1"/>
-          <p:cNvSpPr>
-            <a:spLocks noGrp="1"/>
-          </p:cNvSpPr>
-          <p:nvPr>
-            <p:ph type="title"/>
-          </p:nvPr>
-        </p:nvSpPr>
-        <p:spPr/>
-        <p:txBody>
-          <a:bodyPr/>
-          <a:lstStyle/>
-          <a:p>
-            <a:r>
               <a:rPr lang="en-US" dirty="0" smtClean="0"/>
               <a:t>Workshop Details</a:t>
             </a:r>
@@ -14806,7 +13898,7 @@
           <a:p>
             <a:fld id="{C2E4F4E2-DEA3-44FD-BEC9-57866B7FA44A}" type="slidenum">
               <a:rPr lang="en-US" smtClean="0"/>
-              <a:t>53</a:t>
+              <a:t>50</a:t>
             </a:fld>
             <a:endParaRPr lang="en-US"/>
           </a:p>
@@ -15140,6 +14232,13 @@
   <p:clrMapOvr>
     <a:masterClrMapping/>
   </p:clrMapOvr>
+  <p:timing>
+    <p:tnLst>
+      <p:par>
+        <p:cTn id="1" dur="indefinite" restart="never" nodeType="tmRoot"/>
+      </p:par>
+    </p:tnLst>
+  </p:timing>
 </p:sld>
 </file>
 
@@ -15646,6 +14745,13 @@
   <p:clrMapOvr>
     <a:masterClrMapping/>
   </p:clrMapOvr>
+  <p:timing>
+    <p:tnLst>
+      <p:par>
+        <p:cTn id="1" dur="indefinite" restart="never" nodeType="tmRoot"/>
+      </p:par>
+    </p:tnLst>
+  </p:timing>
 </p:sld>
 </file>
 
@@ -15808,6 +14914,13 @@
   <p:clrMapOvr>
     <a:masterClrMapping/>
   </p:clrMapOvr>
+  <p:timing>
+    <p:tnLst>
+      <p:par>
+        <p:cTn id="1" dur="indefinite" restart="never" nodeType="tmRoot"/>
+      </p:par>
+    </p:tnLst>
+  </p:timing>
 </p:sld>
 </file>
 
@@ -15984,6 +15097,13 @@
   <p:clrMapOvr>
     <a:masterClrMapping/>
   </p:clrMapOvr>
+  <p:timing>
+    <p:tnLst>
+      <p:par>
+        <p:cTn id="1" dur="indefinite" restart="never" nodeType="tmRoot"/>
+      </p:par>
+    </p:tnLst>
+  </p:timing>
 </p:sld>
 </file>
 
